--- a/docs/ETU DIT #6.pptx
+++ b/docs/ETU DIT #6.pptx
@@ -19,7 +19,7 @@
     <p:sldId id="265" r:id="rId14"/>
   </p:sldIdLst>
   <p:sldSz cx="11998325" cy="7559675"/>
-  <p:notesSz cx="7559675" cy="10691812"/>
+  <p:notesSz cx="7772400" cy="10058400"/>
 </p:presentation>
 </file>
 
@@ -87,7 +87,7 @@
           </a:bodyPr>
           <a:p>
             <a:pPr algn="ctr"/>
-            <a:endParaRPr b="0" lang="ru-RU" sz="4400" spc="-1" strike="noStrike">
+            <a:endParaRPr b="0" lang="en-US" sz="4400" spc="-1" strike="noStrike">
               <a:latin typeface="Arial"/>
             </a:endParaRPr>
           </a:p>
@@ -117,7 +117,7 @@
             <a:normAutofit/>
           </a:bodyPr>
           <a:p>
-            <a:endParaRPr b="0" lang="ru-RU" sz="3200" spc="-1" strike="noStrike">
+            <a:endParaRPr b="0" lang="en-US" sz="3200" spc="-1" strike="noStrike">
               <a:latin typeface="Arial"/>
             </a:endParaRPr>
           </a:p>
@@ -147,7 +147,7 @@
             <a:normAutofit/>
           </a:bodyPr>
           <a:p>
-            <a:endParaRPr b="0" lang="ru-RU" sz="3200" spc="-1" strike="noStrike">
+            <a:endParaRPr b="0" lang="en-US" sz="3200" spc="-1" strike="noStrike">
               <a:latin typeface="Arial"/>
             </a:endParaRPr>
           </a:p>
@@ -200,7 +200,7 @@
           </a:bodyPr>
           <a:p>
             <a:pPr algn="ctr"/>
-            <a:endParaRPr b="0" lang="ru-RU" sz="4400" spc="-1" strike="noStrike">
+            <a:endParaRPr b="0" lang="en-US" sz="4400" spc="-1" strike="noStrike">
               <a:latin typeface="Arial"/>
             </a:endParaRPr>
           </a:p>
@@ -230,7 +230,7 @@
             <a:normAutofit/>
           </a:bodyPr>
           <a:p>
-            <a:endParaRPr b="0" lang="ru-RU" sz="3200" spc="-1" strike="noStrike">
+            <a:endParaRPr b="0" lang="en-US" sz="3200" spc="-1" strike="noStrike">
               <a:latin typeface="Arial"/>
             </a:endParaRPr>
           </a:p>
@@ -260,7 +260,7 @@
             <a:normAutofit/>
           </a:bodyPr>
           <a:p>
-            <a:endParaRPr b="0" lang="ru-RU" sz="3200" spc="-1" strike="noStrike">
+            <a:endParaRPr b="0" lang="en-US" sz="3200" spc="-1" strike="noStrike">
               <a:latin typeface="Arial"/>
             </a:endParaRPr>
           </a:p>
@@ -290,7 +290,7 @@
             <a:normAutofit/>
           </a:bodyPr>
           <a:p>
-            <a:endParaRPr b="0" lang="ru-RU" sz="3200" spc="-1" strike="noStrike">
+            <a:endParaRPr b="0" lang="en-US" sz="3200" spc="-1" strike="noStrike">
               <a:latin typeface="Arial"/>
             </a:endParaRPr>
           </a:p>
@@ -320,7 +320,7 @@
             <a:normAutofit/>
           </a:bodyPr>
           <a:p>
-            <a:endParaRPr b="0" lang="ru-RU" sz="3200" spc="-1" strike="noStrike">
+            <a:endParaRPr b="0" lang="en-US" sz="3200" spc="-1" strike="noStrike">
               <a:latin typeface="Arial"/>
             </a:endParaRPr>
           </a:p>
@@ -373,7 +373,7 @@
           </a:bodyPr>
           <a:p>
             <a:pPr algn="ctr"/>
-            <a:endParaRPr b="0" lang="ru-RU" sz="4400" spc="-1" strike="noStrike">
+            <a:endParaRPr b="0" lang="en-US" sz="4400" spc="-1" strike="noStrike">
               <a:latin typeface="Arial"/>
             </a:endParaRPr>
           </a:p>
@@ -403,7 +403,7 @@
             <a:normAutofit/>
           </a:bodyPr>
           <a:p>
-            <a:endParaRPr b="0" lang="ru-RU" sz="3200" spc="-1" strike="noStrike">
+            <a:endParaRPr b="0" lang="en-US" sz="3200" spc="-1" strike="noStrike">
               <a:latin typeface="Arial"/>
             </a:endParaRPr>
           </a:p>
@@ -433,7 +433,7 @@
             <a:normAutofit/>
           </a:bodyPr>
           <a:p>
-            <a:endParaRPr b="0" lang="ru-RU" sz="3200" spc="-1" strike="noStrike">
+            <a:endParaRPr b="0" lang="en-US" sz="3200" spc="-1" strike="noStrike">
               <a:latin typeface="Arial"/>
             </a:endParaRPr>
           </a:p>
@@ -463,7 +463,7 @@
             <a:normAutofit/>
           </a:bodyPr>
           <a:p>
-            <a:endParaRPr b="0" lang="ru-RU" sz="3200" spc="-1" strike="noStrike">
+            <a:endParaRPr b="0" lang="en-US" sz="3200" spc="-1" strike="noStrike">
               <a:latin typeface="Arial"/>
             </a:endParaRPr>
           </a:p>
@@ -493,7 +493,7 @@
             <a:normAutofit/>
           </a:bodyPr>
           <a:p>
-            <a:endParaRPr b="0" lang="ru-RU" sz="3200" spc="-1" strike="noStrike">
+            <a:endParaRPr b="0" lang="en-US" sz="3200" spc="-1" strike="noStrike">
               <a:latin typeface="Arial"/>
             </a:endParaRPr>
           </a:p>
@@ -523,7 +523,7 @@
             <a:normAutofit/>
           </a:bodyPr>
           <a:p>
-            <a:endParaRPr b="0" lang="ru-RU" sz="3200" spc="-1" strike="noStrike">
+            <a:endParaRPr b="0" lang="en-US" sz="3200" spc="-1" strike="noStrike">
               <a:latin typeface="Arial"/>
             </a:endParaRPr>
           </a:p>
@@ -553,7 +553,7 @@
             <a:normAutofit/>
           </a:bodyPr>
           <a:p>
-            <a:endParaRPr b="0" lang="ru-RU" sz="3200" spc="-1" strike="noStrike">
+            <a:endParaRPr b="0" lang="en-US" sz="3200" spc="-1" strike="noStrike">
               <a:latin typeface="Arial"/>
             </a:endParaRPr>
           </a:p>
@@ -628,7 +628,7 @@
           </a:bodyPr>
           <a:p>
             <a:pPr algn="ctr"/>
-            <a:endParaRPr b="0" lang="ru-RU" sz="4400" spc="-1" strike="noStrike">
+            <a:endParaRPr b="0" lang="en-US" sz="4400" spc="-1" strike="noStrike">
               <a:latin typeface="Arial"/>
             </a:endParaRPr>
           </a:p>
@@ -659,7 +659,7 @@
           </a:bodyPr>
           <a:p>
             <a:pPr algn="ctr"/>
-            <a:endParaRPr b="0" lang="ru-RU" sz="3200" spc="-1" strike="noStrike">
+            <a:endParaRPr b="0" lang="en-US" sz="3200" spc="-1" strike="noStrike">
               <a:latin typeface="Arial"/>
             </a:endParaRPr>
           </a:p>
@@ -712,7 +712,7 @@
           </a:bodyPr>
           <a:p>
             <a:pPr algn="ctr"/>
-            <a:endParaRPr b="0" lang="ru-RU" sz="4400" spc="-1" strike="noStrike">
+            <a:endParaRPr b="0" lang="en-US" sz="4400" spc="-1" strike="noStrike">
               <a:latin typeface="Arial"/>
             </a:endParaRPr>
           </a:p>
@@ -742,7 +742,7 @@
             <a:normAutofit/>
           </a:bodyPr>
           <a:p>
-            <a:endParaRPr b="0" lang="ru-RU" sz="3200" spc="-1" strike="noStrike">
+            <a:endParaRPr b="0" lang="en-US" sz="3200" spc="-1" strike="noStrike">
               <a:latin typeface="Arial"/>
             </a:endParaRPr>
           </a:p>
@@ -795,7 +795,7 @@
           </a:bodyPr>
           <a:p>
             <a:pPr algn="ctr"/>
-            <a:endParaRPr b="0" lang="ru-RU" sz="4400" spc="-1" strike="noStrike">
+            <a:endParaRPr b="0" lang="en-US" sz="4400" spc="-1" strike="noStrike">
               <a:latin typeface="Arial"/>
             </a:endParaRPr>
           </a:p>
@@ -825,7 +825,7 @@
             <a:normAutofit/>
           </a:bodyPr>
           <a:p>
-            <a:endParaRPr b="0" lang="ru-RU" sz="3200" spc="-1" strike="noStrike">
+            <a:endParaRPr b="0" lang="en-US" sz="3200" spc="-1" strike="noStrike">
               <a:latin typeface="Arial"/>
             </a:endParaRPr>
           </a:p>
@@ -855,7 +855,7 @@
             <a:normAutofit/>
           </a:bodyPr>
           <a:p>
-            <a:endParaRPr b="0" lang="ru-RU" sz="3200" spc="-1" strike="noStrike">
+            <a:endParaRPr b="0" lang="en-US" sz="3200" spc="-1" strike="noStrike">
               <a:latin typeface="Arial"/>
             </a:endParaRPr>
           </a:p>
@@ -908,7 +908,7 @@
           </a:bodyPr>
           <a:p>
             <a:pPr algn="ctr"/>
-            <a:endParaRPr b="0" lang="ru-RU" sz="4400" spc="-1" strike="noStrike">
+            <a:endParaRPr b="0" lang="en-US" sz="4400" spc="-1" strike="noStrike">
               <a:latin typeface="Arial"/>
             </a:endParaRPr>
           </a:p>
@@ -961,7 +961,7 @@
           </a:bodyPr>
           <a:p>
             <a:pPr algn="ctr"/>
-            <a:endParaRPr b="0" lang="ru-RU" sz="3200" spc="-1" strike="noStrike">
+            <a:endParaRPr b="0" lang="en-US" sz="3200" spc="-1" strike="noStrike">
               <a:latin typeface="Arial"/>
             </a:endParaRPr>
           </a:p>
@@ -1014,7 +1014,7 @@
           </a:bodyPr>
           <a:p>
             <a:pPr algn="ctr"/>
-            <a:endParaRPr b="0" lang="ru-RU" sz="4400" spc="-1" strike="noStrike">
+            <a:endParaRPr b="0" lang="en-US" sz="4400" spc="-1" strike="noStrike">
               <a:latin typeface="Arial"/>
             </a:endParaRPr>
           </a:p>
@@ -1044,7 +1044,7 @@
             <a:normAutofit/>
           </a:bodyPr>
           <a:p>
-            <a:endParaRPr b="0" lang="ru-RU" sz="3200" spc="-1" strike="noStrike">
+            <a:endParaRPr b="0" lang="en-US" sz="3200" spc="-1" strike="noStrike">
               <a:latin typeface="Arial"/>
             </a:endParaRPr>
           </a:p>
@@ -1074,7 +1074,7 @@
             <a:normAutofit/>
           </a:bodyPr>
           <a:p>
-            <a:endParaRPr b="0" lang="ru-RU" sz="3200" spc="-1" strike="noStrike">
+            <a:endParaRPr b="0" lang="en-US" sz="3200" spc="-1" strike="noStrike">
               <a:latin typeface="Arial"/>
             </a:endParaRPr>
           </a:p>
@@ -1104,7 +1104,7 @@
             <a:normAutofit/>
           </a:bodyPr>
           <a:p>
-            <a:endParaRPr b="0" lang="ru-RU" sz="3200" spc="-1" strike="noStrike">
+            <a:endParaRPr b="0" lang="en-US" sz="3200" spc="-1" strike="noStrike">
               <a:latin typeface="Arial"/>
             </a:endParaRPr>
           </a:p>
@@ -1157,7 +1157,7 @@
           </a:bodyPr>
           <a:p>
             <a:pPr algn="ctr"/>
-            <a:endParaRPr b="0" lang="ru-RU" sz="4400" spc="-1" strike="noStrike">
+            <a:endParaRPr b="0" lang="en-US" sz="4400" spc="-1" strike="noStrike">
               <a:latin typeface="Arial"/>
             </a:endParaRPr>
           </a:p>
@@ -1188,7 +1188,7 @@
           </a:bodyPr>
           <a:p>
             <a:pPr algn="ctr"/>
-            <a:endParaRPr b="0" lang="ru-RU" sz="3200" spc="-1" strike="noStrike">
+            <a:endParaRPr b="0" lang="en-US" sz="3200" spc="-1" strike="noStrike">
               <a:latin typeface="Arial"/>
             </a:endParaRPr>
           </a:p>
@@ -1241,7 +1241,7 @@
           </a:bodyPr>
           <a:p>
             <a:pPr algn="ctr"/>
-            <a:endParaRPr b="0" lang="ru-RU" sz="4400" spc="-1" strike="noStrike">
+            <a:endParaRPr b="0" lang="en-US" sz="4400" spc="-1" strike="noStrike">
               <a:latin typeface="Arial"/>
             </a:endParaRPr>
           </a:p>
@@ -1271,7 +1271,7 @@
             <a:normAutofit/>
           </a:bodyPr>
           <a:p>
-            <a:endParaRPr b="0" lang="ru-RU" sz="3200" spc="-1" strike="noStrike">
+            <a:endParaRPr b="0" lang="en-US" sz="3200" spc="-1" strike="noStrike">
               <a:latin typeface="Arial"/>
             </a:endParaRPr>
           </a:p>
@@ -1301,7 +1301,7 @@
             <a:normAutofit/>
           </a:bodyPr>
           <a:p>
-            <a:endParaRPr b="0" lang="ru-RU" sz="3200" spc="-1" strike="noStrike">
+            <a:endParaRPr b="0" lang="en-US" sz="3200" spc="-1" strike="noStrike">
               <a:latin typeface="Arial"/>
             </a:endParaRPr>
           </a:p>
@@ -1331,7 +1331,7 @@
             <a:normAutofit/>
           </a:bodyPr>
           <a:p>
-            <a:endParaRPr b="0" lang="ru-RU" sz="3200" spc="-1" strike="noStrike">
+            <a:endParaRPr b="0" lang="en-US" sz="3200" spc="-1" strike="noStrike">
               <a:latin typeface="Arial"/>
             </a:endParaRPr>
           </a:p>
@@ -1384,7 +1384,7 @@
           </a:bodyPr>
           <a:p>
             <a:pPr algn="ctr"/>
-            <a:endParaRPr b="0" lang="ru-RU" sz="4400" spc="-1" strike="noStrike">
+            <a:endParaRPr b="0" lang="en-US" sz="4400" spc="-1" strike="noStrike">
               <a:latin typeface="Arial"/>
             </a:endParaRPr>
           </a:p>
@@ -1414,7 +1414,7 @@
             <a:normAutofit/>
           </a:bodyPr>
           <a:p>
-            <a:endParaRPr b="0" lang="ru-RU" sz="3200" spc="-1" strike="noStrike">
+            <a:endParaRPr b="0" lang="en-US" sz="3200" spc="-1" strike="noStrike">
               <a:latin typeface="Arial"/>
             </a:endParaRPr>
           </a:p>
@@ -1444,7 +1444,7 @@
             <a:normAutofit/>
           </a:bodyPr>
           <a:p>
-            <a:endParaRPr b="0" lang="ru-RU" sz="3200" spc="-1" strike="noStrike">
+            <a:endParaRPr b="0" lang="en-US" sz="3200" spc="-1" strike="noStrike">
               <a:latin typeface="Arial"/>
             </a:endParaRPr>
           </a:p>
@@ -1474,7 +1474,7 @@
             <a:normAutofit/>
           </a:bodyPr>
           <a:p>
-            <a:endParaRPr b="0" lang="ru-RU" sz="3200" spc="-1" strike="noStrike">
+            <a:endParaRPr b="0" lang="en-US" sz="3200" spc="-1" strike="noStrike">
               <a:latin typeface="Arial"/>
             </a:endParaRPr>
           </a:p>
@@ -1527,7 +1527,7 @@
           </a:bodyPr>
           <a:p>
             <a:pPr algn="ctr"/>
-            <a:endParaRPr b="0" lang="ru-RU" sz="4400" spc="-1" strike="noStrike">
+            <a:endParaRPr b="0" lang="en-US" sz="4400" spc="-1" strike="noStrike">
               <a:latin typeface="Arial"/>
             </a:endParaRPr>
           </a:p>
@@ -1557,7 +1557,7 @@
             <a:normAutofit/>
           </a:bodyPr>
           <a:p>
-            <a:endParaRPr b="0" lang="ru-RU" sz="3200" spc="-1" strike="noStrike">
+            <a:endParaRPr b="0" lang="en-US" sz="3200" spc="-1" strike="noStrike">
               <a:latin typeface="Arial"/>
             </a:endParaRPr>
           </a:p>
@@ -1587,7 +1587,7 @@
             <a:normAutofit/>
           </a:bodyPr>
           <a:p>
-            <a:endParaRPr b="0" lang="ru-RU" sz="3200" spc="-1" strike="noStrike">
+            <a:endParaRPr b="0" lang="en-US" sz="3200" spc="-1" strike="noStrike">
               <a:latin typeface="Arial"/>
             </a:endParaRPr>
           </a:p>
@@ -1640,7 +1640,7 @@
           </a:bodyPr>
           <a:p>
             <a:pPr algn="ctr"/>
-            <a:endParaRPr b="0" lang="ru-RU" sz="4400" spc="-1" strike="noStrike">
+            <a:endParaRPr b="0" lang="en-US" sz="4400" spc="-1" strike="noStrike">
               <a:latin typeface="Arial"/>
             </a:endParaRPr>
           </a:p>
@@ -1670,7 +1670,7 @@
             <a:normAutofit/>
           </a:bodyPr>
           <a:p>
-            <a:endParaRPr b="0" lang="ru-RU" sz="3200" spc="-1" strike="noStrike">
+            <a:endParaRPr b="0" lang="en-US" sz="3200" spc="-1" strike="noStrike">
               <a:latin typeface="Arial"/>
             </a:endParaRPr>
           </a:p>
@@ -1700,7 +1700,7 @@
             <a:normAutofit/>
           </a:bodyPr>
           <a:p>
-            <a:endParaRPr b="0" lang="ru-RU" sz="3200" spc="-1" strike="noStrike">
+            <a:endParaRPr b="0" lang="en-US" sz="3200" spc="-1" strike="noStrike">
               <a:latin typeface="Arial"/>
             </a:endParaRPr>
           </a:p>
@@ -1730,7 +1730,7 @@
             <a:normAutofit/>
           </a:bodyPr>
           <a:p>
-            <a:endParaRPr b="0" lang="ru-RU" sz="3200" spc="-1" strike="noStrike">
+            <a:endParaRPr b="0" lang="en-US" sz="3200" spc="-1" strike="noStrike">
               <a:latin typeface="Arial"/>
             </a:endParaRPr>
           </a:p>
@@ -1760,7 +1760,7 @@
             <a:normAutofit/>
           </a:bodyPr>
           <a:p>
-            <a:endParaRPr b="0" lang="ru-RU" sz="3200" spc="-1" strike="noStrike">
+            <a:endParaRPr b="0" lang="en-US" sz="3200" spc="-1" strike="noStrike">
               <a:latin typeface="Arial"/>
             </a:endParaRPr>
           </a:p>
@@ -1813,7 +1813,7 @@
           </a:bodyPr>
           <a:p>
             <a:pPr algn="ctr"/>
-            <a:endParaRPr b="0" lang="ru-RU" sz="4400" spc="-1" strike="noStrike">
+            <a:endParaRPr b="0" lang="en-US" sz="4400" spc="-1" strike="noStrike">
               <a:latin typeface="Arial"/>
             </a:endParaRPr>
           </a:p>
@@ -1843,7 +1843,7 @@
             <a:normAutofit/>
           </a:bodyPr>
           <a:p>
-            <a:endParaRPr b="0" lang="ru-RU" sz="3200" spc="-1" strike="noStrike">
+            <a:endParaRPr b="0" lang="en-US" sz="3200" spc="-1" strike="noStrike">
               <a:latin typeface="Arial"/>
             </a:endParaRPr>
           </a:p>
@@ -1873,7 +1873,7 @@
             <a:normAutofit/>
           </a:bodyPr>
           <a:p>
-            <a:endParaRPr b="0" lang="ru-RU" sz="3200" spc="-1" strike="noStrike">
+            <a:endParaRPr b="0" lang="en-US" sz="3200" spc="-1" strike="noStrike">
               <a:latin typeface="Arial"/>
             </a:endParaRPr>
           </a:p>
@@ -1903,7 +1903,7 @@
             <a:normAutofit/>
           </a:bodyPr>
           <a:p>
-            <a:endParaRPr b="0" lang="ru-RU" sz="3200" spc="-1" strike="noStrike">
+            <a:endParaRPr b="0" lang="en-US" sz="3200" spc="-1" strike="noStrike">
               <a:latin typeface="Arial"/>
             </a:endParaRPr>
           </a:p>
@@ -1933,7 +1933,7 @@
             <a:normAutofit/>
           </a:bodyPr>
           <a:p>
-            <a:endParaRPr b="0" lang="ru-RU" sz="3200" spc="-1" strike="noStrike">
+            <a:endParaRPr b="0" lang="en-US" sz="3200" spc="-1" strike="noStrike">
               <a:latin typeface="Arial"/>
             </a:endParaRPr>
           </a:p>
@@ -1963,7 +1963,7 @@
             <a:normAutofit/>
           </a:bodyPr>
           <a:p>
-            <a:endParaRPr b="0" lang="ru-RU" sz="3200" spc="-1" strike="noStrike">
+            <a:endParaRPr b="0" lang="en-US" sz="3200" spc="-1" strike="noStrike">
               <a:latin typeface="Arial"/>
             </a:endParaRPr>
           </a:p>
@@ -1993,7 +1993,7 @@
             <a:normAutofit/>
           </a:bodyPr>
           <a:p>
-            <a:endParaRPr b="0" lang="ru-RU" sz="3200" spc="-1" strike="noStrike">
+            <a:endParaRPr b="0" lang="en-US" sz="3200" spc="-1" strike="noStrike">
               <a:latin typeface="Arial"/>
             </a:endParaRPr>
           </a:p>
@@ -2068,7 +2068,7 @@
           </a:bodyPr>
           <a:p>
             <a:pPr algn="ctr"/>
-            <a:endParaRPr b="0" lang="ru-RU" sz="4400" spc="-1" strike="noStrike">
+            <a:endParaRPr b="0" lang="en-US" sz="4400" spc="-1" strike="noStrike">
               <a:latin typeface="Arial"/>
             </a:endParaRPr>
           </a:p>
@@ -2099,7 +2099,7 @@
           </a:bodyPr>
           <a:p>
             <a:pPr algn="ctr"/>
-            <a:endParaRPr b="0" lang="ru-RU" sz="3200" spc="-1" strike="noStrike">
+            <a:endParaRPr b="0" lang="en-US" sz="3200" spc="-1" strike="noStrike">
               <a:latin typeface="Arial"/>
             </a:endParaRPr>
           </a:p>
@@ -2152,7 +2152,7 @@
           </a:bodyPr>
           <a:p>
             <a:pPr algn="ctr"/>
-            <a:endParaRPr b="0" lang="ru-RU" sz="4400" spc="-1" strike="noStrike">
+            <a:endParaRPr b="0" lang="en-US" sz="4400" spc="-1" strike="noStrike">
               <a:latin typeface="Arial"/>
             </a:endParaRPr>
           </a:p>
@@ -2182,7 +2182,7 @@
             <a:normAutofit/>
           </a:bodyPr>
           <a:p>
-            <a:endParaRPr b="0" lang="ru-RU" sz="3200" spc="-1" strike="noStrike">
+            <a:endParaRPr b="0" lang="en-US" sz="3200" spc="-1" strike="noStrike">
               <a:latin typeface="Arial"/>
             </a:endParaRPr>
           </a:p>
@@ -2235,7 +2235,7 @@
           </a:bodyPr>
           <a:p>
             <a:pPr algn="ctr"/>
-            <a:endParaRPr b="0" lang="ru-RU" sz="4400" spc="-1" strike="noStrike">
+            <a:endParaRPr b="0" lang="en-US" sz="4400" spc="-1" strike="noStrike">
               <a:latin typeface="Arial"/>
             </a:endParaRPr>
           </a:p>
@@ -2265,7 +2265,7 @@
             <a:normAutofit/>
           </a:bodyPr>
           <a:p>
-            <a:endParaRPr b="0" lang="ru-RU" sz="3200" spc="-1" strike="noStrike">
+            <a:endParaRPr b="0" lang="en-US" sz="3200" spc="-1" strike="noStrike">
               <a:latin typeface="Arial"/>
             </a:endParaRPr>
           </a:p>
@@ -2295,7 +2295,7 @@
             <a:normAutofit/>
           </a:bodyPr>
           <a:p>
-            <a:endParaRPr b="0" lang="ru-RU" sz="3200" spc="-1" strike="noStrike">
+            <a:endParaRPr b="0" lang="en-US" sz="3200" spc="-1" strike="noStrike">
               <a:latin typeface="Arial"/>
             </a:endParaRPr>
           </a:p>
@@ -2348,7 +2348,7 @@
           </a:bodyPr>
           <a:p>
             <a:pPr algn="ctr"/>
-            <a:endParaRPr b="0" lang="ru-RU" sz="4400" spc="-1" strike="noStrike">
+            <a:endParaRPr b="0" lang="en-US" sz="4400" spc="-1" strike="noStrike">
               <a:latin typeface="Arial"/>
             </a:endParaRPr>
           </a:p>
@@ -2401,7 +2401,7 @@
           </a:bodyPr>
           <a:p>
             <a:pPr algn="ctr"/>
-            <a:endParaRPr b="0" lang="ru-RU" sz="4400" spc="-1" strike="noStrike">
+            <a:endParaRPr b="0" lang="en-US" sz="4400" spc="-1" strike="noStrike">
               <a:latin typeface="Arial"/>
             </a:endParaRPr>
           </a:p>
@@ -2431,7 +2431,7 @@
             <a:normAutofit/>
           </a:bodyPr>
           <a:p>
-            <a:endParaRPr b="0" lang="ru-RU" sz="3200" spc="-1" strike="noStrike">
+            <a:endParaRPr b="0" lang="en-US" sz="3200" spc="-1" strike="noStrike">
               <a:latin typeface="Arial"/>
             </a:endParaRPr>
           </a:p>
@@ -2484,7 +2484,7 @@
           </a:bodyPr>
           <a:p>
             <a:pPr algn="ctr"/>
-            <a:endParaRPr b="0" lang="ru-RU" sz="3200" spc="-1" strike="noStrike">
+            <a:endParaRPr b="0" lang="en-US" sz="3200" spc="-1" strike="noStrike">
               <a:latin typeface="Arial"/>
             </a:endParaRPr>
           </a:p>
@@ -2537,7 +2537,7 @@
           </a:bodyPr>
           <a:p>
             <a:pPr algn="ctr"/>
-            <a:endParaRPr b="0" lang="ru-RU" sz="4400" spc="-1" strike="noStrike">
+            <a:endParaRPr b="0" lang="en-US" sz="4400" spc="-1" strike="noStrike">
               <a:latin typeface="Arial"/>
             </a:endParaRPr>
           </a:p>
@@ -2567,7 +2567,7 @@
             <a:normAutofit/>
           </a:bodyPr>
           <a:p>
-            <a:endParaRPr b="0" lang="ru-RU" sz="3200" spc="-1" strike="noStrike">
+            <a:endParaRPr b="0" lang="en-US" sz="3200" spc="-1" strike="noStrike">
               <a:latin typeface="Arial"/>
             </a:endParaRPr>
           </a:p>
@@ -2597,7 +2597,7 @@
             <a:normAutofit/>
           </a:bodyPr>
           <a:p>
-            <a:endParaRPr b="0" lang="ru-RU" sz="3200" spc="-1" strike="noStrike">
+            <a:endParaRPr b="0" lang="en-US" sz="3200" spc="-1" strike="noStrike">
               <a:latin typeface="Arial"/>
             </a:endParaRPr>
           </a:p>
@@ -2627,7 +2627,7 @@
             <a:normAutofit/>
           </a:bodyPr>
           <a:p>
-            <a:endParaRPr b="0" lang="ru-RU" sz="3200" spc="-1" strike="noStrike">
+            <a:endParaRPr b="0" lang="en-US" sz="3200" spc="-1" strike="noStrike">
               <a:latin typeface="Arial"/>
             </a:endParaRPr>
           </a:p>
@@ -2680,7 +2680,7 @@
           </a:bodyPr>
           <a:p>
             <a:pPr algn="ctr"/>
-            <a:endParaRPr b="0" lang="ru-RU" sz="4400" spc="-1" strike="noStrike">
+            <a:endParaRPr b="0" lang="en-US" sz="4400" spc="-1" strike="noStrike">
               <a:latin typeface="Arial"/>
             </a:endParaRPr>
           </a:p>
@@ -2710,7 +2710,7 @@
             <a:normAutofit/>
           </a:bodyPr>
           <a:p>
-            <a:endParaRPr b="0" lang="ru-RU" sz="3200" spc="-1" strike="noStrike">
+            <a:endParaRPr b="0" lang="en-US" sz="3200" spc="-1" strike="noStrike">
               <a:latin typeface="Arial"/>
             </a:endParaRPr>
           </a:p>
@@ -2740,7 +2740,7 @@
             <a:normAutofit/>
           </a:bodyPr>
           <a:p>
-            <a:endParaRPr b="0" lang="ru-RU" sz="3200" spc="-1" strike="noStrike">
+            <a:endParaRPr b="0" lang="en-US" sz="3200" spc="-1" strike="noStrike">
               <a:latin typeface="Arial"/>
             </a:endParaRPr>
           </a:p>
@@ -2770,7 +2770,7 @@
             <a:normAutofit/>
           </a:bodyPr>
           <a:p>
-            <a:endParaRPr b="0" lang="ru-RU" sz="3200" spc="-1" strike="noStrike">
+            <a:endParaRPr b="0" lang="en-US" sz="3200" spc="-1" strike="noStrike">
               <a:latin typeface="Arial"/>
             </a:endParaRPr>
           </a:p>
@@ -2823,7 +2823,7 @@
           </a:bodyPr>
           <a:p>
             <a:pPr algn="ctr"/>
-            <a:endParaRPr b="0" lang="ru-RU" sz="4400" spc="-1" strike="noStrike">
+            <a:endParaRPr b="0" lang="en-US" sz="4400" spc="-1" strike="noStrike">
               <a:latin typeface="Arial"/>
             </a:endParaRPr>
           </a:p>
@@ -2853,7 +2853,7 @@
             <a:normAutofit/>
           </a:bodyPr>
           <a:p>
-            <a:endParaRPr b="0" lang="ru-RU" sz="3200" spc="-1" strike="noStrike">
+            <a:endParaRPr b="0" lang="en-US" sz="3200" spc="-1" strike="noStrike">
               <a:latin typeface="Arial"/>
             </a:endParaRPr>
           </a:p>
@@ -2883,7 +2883,7 @@
             <a:normAutofit/>
           </a:bodyPr>
           <a:p>
-            <a:endParaRPr b="0" lang="ru-RU" sz="3200" spc="-1" strike="noStrike">
+            <a:endParaRPr b="0" lang="en-US" sz="3200" spc="-1" strike="noStrike">
               <a:latin typeface="Arial"/>
             </a:endParaRPr>
           </a:p>
@@ -2913,7 +2913,7 @@
             <a:normAutofit/>
           </a:bodyPr>
           <a:p>
-            <a:endParaRPr b="0" lang="ru-RU" sz="3200" spc="-1" strike="noStrike">
+            <a:endParaRPr b="0" lang="en-US" sz="3200" spc="-1" strike="noStrike">
               <a:latin typeface="Arial"/>
             </a:endParaRPr>
           </a:p>
@@ -2966,7 +2966,7 @@
           </a:bodyPr>
           <a:p>
             <a:pPr algn="ctr"/>
-            <a:endParaRPr b="0" lang="ru-RU" sz="4400" spc="-1" strike="noStrike">
+            <a:endParaRPr b="0" lang="en-US" sz="4400" spc="-1" strike="noStrike">
               <a:latin typeface="Arial"/>
             </a:endParaRPr>
           </a:p>
@@ -2996,7 +2996,7 @@
             <a:normAutofit/>
           </a:bodyPr>
           <a:p>
-            <a:endParaRPr b="0" lang="ru-RU" sz="3200" spc="-1" strike="noStrike">
+            <a:endParaRPr b="0" lang="en-US" sz="3200" spc="-1" strike="noStrike">
               <a:latin typeface="Arial"/>
             </a:endParaRPr>
           </a:p>
@@ -3026,7 +3026,7 @@
             <a:normAutofit/>
           </a:bodyPr>
           <a:p>
-            <a:endParaRPr b="0" lang="ru-RU" sz="3200" spc="-1" strike="noStrike">
+            <a:endParaRPr b="0" lang="en-US" sz="3200" spc="-1" strike="noStrike">
               <a:latin typeface="Arial"/>
             </a:endParaRPr>
           </a:p>
@@ -3079,7 +3079,7 @@
           </a:bodyPr>
           <a:p>
             <a:pPr algn="ctr"/>
-            <a:endParaRPr b="0" lang="ru-RU" sz="4400" spc="-1" strike="noStrike">
+            <a:endParaRPr b="0" lang="en-US" sz="4400" spc="-1" strike="noStrike">
               <a:latin typeface="Arial"/>
             </a:endParaRPr>
           </a:p>
@@ -3109,7 +3109,7 @@
             <a:normAutofit/>
           </a:bodyPr>
           <a:p>
-            <a:endParaRPr b="0" lang="ru-RU" sz="3200" spc="-1" strike="noStrike">
+            <a:endParaRPr b="0" lang="en-US" sz="3200" spc="-1" strike="noStrike">
               <a:latin typeface="Arial"/>
             </a:endParaRPr>
           </a:p>
@@ -3139,7 +3139,7 @@
             <a:normAutofit/>
           </a:bodyPr>
           <a:p>
-            <a:endParaRPr b="0" lang="ru-RU" sz="3200" spc="-1" strike="noStrike">
+            <a:endParaRPr b="0" lang="en-US" sz="3200" spc="-1" strike="noStrike">
               <a:latin typeface="Arial"/>
             </a:endParaRPr>
           </a:p>
@@ -3169,7 +3169,7 @@
             <a:normAutofit/>
           </a:bodyPr>
           <a:p>
-            <a:endParaRPr b="0" lang="ru-RU" sz="3200" spc="-1" strike="noStrike">
+            <a:endParaRPr b="0" lang="en-US" sz="3200" spc="-1" strike="noStrike">
               <a:latin typeface="Arial"/>
             </a:endParaRPr>
           </a:p>
@@ -3199,7 +3199,7 @@
             <a:normAutofit/>
           </a:bodyPr>
           <a:p>
-            <a:endParaRPr b="0" lang="ru-RU" sz="3200" spc="-1" strike="noStrike">
+            <a:endParaRPr b="0" lang="en-US" sz="3200" spc="-1" strike="noStrike">
               <a:latin typeface="Arial"/>
             </a:endParaRPr>
           </a:p>
@@ -3252,7 +3252,7 @@
           </a:bodyPr>
           <a:p>
             <a:pPr algn="ctr"/>
-            <a:endParaRPr b="0" lang="ru-RU" sz="4400" spc="-1" strike="noStrike">
+            <a:endParaRPr b="0" lang="en-US" sz="4400" spc="-1" strike="noStrike">
               <a:latin typeface="Arial"/>
             </a:endParaRPr>
           </a:p>
@@ -3282,7 +3282,7 @@
             <a:normAutofit/>
           </a:bodyPr>
           <a:p>
-            <a:endParaRPr b="0" lang="ru-RU" sz="3200" spc="-1" strike="noStrike">
+            <a:endParaRPr b="0" lang="en-US" sz="3200" spc="-1" strike="noStrike">
               <a:latin typeface="Arial"/>
             </a:endParaRPr>
           </a:p>
@@ -3312,7 +3312,7 @@
             <a:normAutofit/>
           </a:bodyPr>
           <a:p>
-            <a:endParaRPr b="0" lang="ru-RU" sz="3200" spc="-1" strike="noStrike">
+            <a:endParaRPr b="0" lang="en-US" sz="3200" spc="-1" strike="noStrike">
               <a:latin typeface="Arial"/>
             </a:endParaRPr>
           </a:p>
@@ -3342,7 +3342,7 @@
             <a:normAutofit/>
           </a:bodyPr>
           <a:p>
-            <a:endParaRPr b="0" lang="ru-RU" sz="3200" spc="-1" strike="noStrike">
+            <a:endParaRPr b="0" lang="en-US" sz="3200" spc="-1" strike="noStrike">
               <a:latin typeface="Arial"/>
             </a:endParaRPr>
           </a:p>
@@ -3372,7 +3372,7 @@
             <a:normAutofit/>
           </a:bodyPr>
           <a:p>
-            <a:endParaRPr b="0" lang="ru-RU" sz="3200" spc="-1" strike="noStrike">
+            <a:endParaRPr b="0" lang="en-US" sz="3200" spc="-1" strike="noStrike">
               <a:latin typeface="Arial"/>
             </a:endParaRPr>
           </a:p>
@@ -3402,7 +3402,7 @@
             <a:normAutofit/>
           </a:bodyPr>
           <a:p>
-            <a:endParaRPr b="0" lang="ru-RU" sz="3200" spc="-1" strike="noStrike">
+            <a:endParaRPr b="0" lang="en-US" sz="3200" spc="-1" strike="noStrike">
               <a:latin typeface="Arial"/>
             </a:endParaRPr>
           </a:p>
@@ -3432,7 +3432,7 @@
             <a:normAutofit/>
           </a:bodyPr>
           <a:p>
-            <a:endParaRPr b="0" lang="ru-RU" sz="3200" spc="-1" strike="noStrike">
+            <a:endParaRPr b="0" lang="en-US" sz="3200" spc="-1" strike="noStrike">
               <a:latin typeface="Arial"/>
             </a:endParaRPr>
           </a:p>
@@ -3485,7 +3485,7 @@
           </a:bodyPr>
           <a:p>
             <a:pPr algn="ctr"/>
-            <a:endParaRPr b="0" lang="ru-RU" sz="4400" spc="-1" strike="noStrike">
+            <a:endParaRPr b="0" lang="en-US" sz="4400" spc="-1" strike="noStrike">
               <a:latin typeface="Arial"/>
             </a:endParaRPr>
           </a:p>
@@ -3515,7 +3515,7 @@
             <a:normAutofit/>
           </a:bodyPr>
           <a:p>
-            <a:endParaRPr b="0" lang="ru-RU" sz="3200" spc="-1" strike="noStrike">
+            <a:endParaRPr b="0" lang="en-US" sz="3200" spc="-1" strike="noStrike">
               <a:latin typeface="Arial"/>
             </a:endParaRPr>
           </a:p>
@@ -3545,7 +3545,7 @@
             <a:normAutofit/>
           </a:bodyPr>
           <a:p>
-            <a:endParaRPr b="0" lang="ru-RU" sz="3200" spc="-1" strike="noStrike">
+            <a:endParaRPr b="0" lang="en-US" sz="3200" spc="-1" strike="noStrike">
               <a:latin typeface="Arial"/>
             </a:endParaRPr>
           </a:p>
@@ -3598,7 +3598,7 @@
           </a:bodyPr>
           <a:p>
             <a:pPr algn="ctr"/>
-            <a:endParaRPr b="0" lang="ru-RU" sz="4400" spc="-1" strike="noStrike">
+            <a:endParaRPr b="0" lang="en-US" sz="4400" spc="-1" strike="noStrike">
               <a:latin typeface="Arial"/>
             </a:endParaRPr>
           </a:p>
@@ -3651,7 +3651,7 @@
           </a:bodyPr>
           <a:p>
             <a:pPr algn="ctr"/>
-            <a:endParaRPr b="0" lang="ru-RU" sz="3200" spc="-1" strike="noStrike">
+            <a:endParaRPr b="0" lang="en-US" sz="3200" spc="-1" strike="noStrike">
               <a:latin typeface="Arial"/>
             </a:endParaRPr>
           </a:p>
@@ -3704,7 +3704,7 @@
           </a:bodyPr>
           <a:p>
             <a:pPr algn="ctr"/>
-            <a:endParaRPr b="0" lang="ru-RU" sz="4400" spc="-1" strike="noStrike">
+            <a:endParaRPr b="0" lang="en-US" sz="4400" spc="-1" strike="noStrike">
               <a:latin typeface="Arial"/>
             </a:endParaRPr>
           </a:p>
@@ -3734,7 +3734,7 @@
             <a:normAutofit/>
           </a:bodyPr>
           <a:p>
-            <a:endParaRPr b="0" lang="ru-RU" sz="3200" spc="-1" strike="noStrike">
+            <a:endParaRPr b="0" lang="en-US" sz="3200" spc="-1" strike="noStrike">
               <a:latin typeface="Arial"/>
             </a:endParaRPr>
           </a:p>
@@ -3764,7 +3764,7 @@
             <a:normAutofit/>
           </a:bodyPr>
           <a:p>
-            <a:endParaRPr b="0" lang="ru-RU" sz="3200" spc="-1" strike="noStrike">
+            <a:endParaRPr b="0" lang="en-US" sz="3200" spc="-1" strike="noStrike">
               <a:latin typeface="Arial"/>
             </a:endParaRPr>
           </a:p>
@@ -3794,7 +3794,7 @@
             <a:normAutofit/>
           </a:bodyPr>
           <a:p>
-            <a:endParaRPr b="0" lang="ru-RU" sz="3200" spc="-1" strike="noStrike">
+            <a:endParaRPr b="0" lang="en-US" sz="3200" spc="-1" strike="noStrike">
               <a:latin typeface="Arial"/>
             </a:endParaRPr>
           </a:p>
@@ -3847,7 +3847,7 @@
           </a:bodyPr>
           <a:p>
             <a:pPr algn="ctr"/>
-            <a:endParaRPr b="0" lang="ru-RU" sz="4400" spc="-1" strike="noStrike">
+            <a:endParaRPr b="0" lang="en-US" sz="4400" spc="-1" strike="noStrike">
               <a:latin typeface="Arial"/>
             </a:endParaRPr>
           </a:p>
@@ -3877,7 +3877,7 @@
             <a:normAutofit/>
           </a:bodyPr>
           <a:p>
-            <a:endParaRPr b="0" lang="ru-RU" sz="3200" spc="-1" strike="noStrike">
+            <a:endParaRPr b="0" lang="en-US" sz="3200" spc="-1" strike="noStrike">
               <a:latin typeface="Arial"/>
             </a:endParaRPr>
           </a:p>
@@ -3907,7 +3907,7 @@
             <a:normAutofit/>
           </a:bodyPr>
           <a:p>
-            <a:endParaRPr b="0" lang="ru-RU" sz="3200" spc="-1" strike="noStrike">
+            <a:endParaRPr b="0" lang="en-US" sz="3200" spc="-1" strike="noStrike">
               <a:latin typeface="Arial"/>
             </a:endParaRPr>
           </a:p>
@@ -3937,7 +3937,7 @@
             <a:normAutofit/>
           </a:bodyPr>
           <a:p>
-            <a:endParaRPr b="0" lang="ru-RU" sz="3200" spc="-1" strike="noStrike">
+            <a:endParaRPr b="0" lang="en-US" sz="3200" spc="-1" strike="noStrike">
               <a:latin typeface="Arial"/>
             </a:endParaRPr>
           </a:p>
@@ -3990,7 +3990,7 @@
           </a:bodyPr>
           <a:p>
             <a:pPr algn="ctr"/>
-            <a:endParaRPr b="0" lang="ru-RU" sz="4400" spc="-1" strike="noStrike">
+            <a:endParaRPr b="0" lang="en-US" sz="4400" spc="-1" strike="noStrike">
               <a:latin typeface="Arial"/>
             </a:endParaRPr>
           </a:p>
@@ -4020,7 +4020,7 @@
             <a:normAutofit/>
           </a:bodyPr>
           <a:p>
-            <a:endParaRPr b="0" lang="ru-RU" sz="3200" spc="-1" strike="noStrike">
+            <a:endParaRPr b="0" lang="en-US" sz="3200" spc="-1" strike="noStrike">
               <a:latin typeface="Arial"/>
             </a:endParaRPr>
           </a:p>
@@ -4050,7 +4050,7 @@
             <a:normAutofit/>
           </a:bodyPr>
           <a:p>
-            <a:endParaRPr b="0" lang="ru-RU" sz="3200" spc="-1" strike="noStrike">
+            <a:endParaRPr b="0" lang="en-US" sz="3200" spc="-1" strike="noStrike">
               <a:latin typeface="Arial"/>
             </a:endParaRPr>
           </a:p>
@@ -4080,7 +4080,7 @@
             <a:normAutofit/>
           </a:bodyPr>
           <a:p>
-            <a:endParaRPr b="0" lang="ru-RU" sz="3200" spc="-1" strike="noStrike">
+            <a:endParaRPr b="0" lang="en-US" sz="3200" spc="-1" strike="noStrike">
               <a:latin typeface="Arial"/>
             </a:endParaRPr>
           </a:p>
@@ -4144,12 +4144,12 @@
           <a:p>
             <a:pPr algn="ctr"/>
             <a:r>
-              <a:rPr b="0" lang="ru-RU" sz="4400" spc="-1" strike="noStrike">
+              <a:rPr b="0" lang="en-US" sz="4400" spc="-1" strike="noStrike">
                 <a:latin typeface="Arial"/>
               </a:rPr>
               <a:t>Click to edit the title text format</a:t>
             </a:r>
-            <a:endParaRPr b="0" lang="ru-RU" sz="4400" spc="-1" strike="noStrike">
+            <a:endParaRPr b="0" lang="en-US" sz="4400" spc="-1" strike="noStrike">
               <a:latin typeface="Arial"/>
             </a:endParaRPr>
           </a:p>
@@ -4191,12 +4191,12 @@
               <a:buChar char=""/>
             </a:pPr>
             <a:r>
-              <a:rPr b="0" lang="ru-RU" sz="3200" spc="-1" strike="noStrike">
+              <a:rPr b="0" lang="en-US" sz="3200" spc="-1" strike="noStrike">
                 <a:latin typeface="Arial"/>
               </a:rPr>
               <a:t>Click to edit the outline text format</a:t>
             </a:r>
-            <a:endParaRPr b="0" lang="ru-RU" sz="3200" spc="-1" strike="noStrike">
+            <a:endParaRPr b="0" lang="en-US" sz="3200" spc="-1" strike="noStrike">
               <a:latin typeface="Arial"/>
             </a:endParaRPr>
           </a:p>
@@ -4213,12 +4213,12 @@
               <a:buChar char=""/>
             </a:pPr>
             <a:r>
-              <a:rPr b="0" lang="ru-RU" sz="2800" spc="-1" strike="noStrike">
+              <a:rPr b="0" lang="en-US" sz="2800" spc="-1" strike="noStrike">
                 <a:latin typeface="Arial"/>
               </a:rPr>
               <a:t>Second Outline Level</a:t>
             </a:r>
-            <a:endParaRPr b="0" lang="ru-RU" sz="2800" spc="-1" strike="noStrike">
+            <a:endParaRPr b="0" lang="en-US" sz="2800" spc="-1" strike="noStrike">
               <a:latin typeface="Arial"/>
             </a:endParaRPr>
           </a:p>
@@ -4235,12 +4235,12 @@
               <a:buChar char=""/>
             </a:pPr>
             <a:r>
-              <a:rPr b="0" lang="ru-RU" sz="2400" spc="-1" strike="noStrike">
+              <a:rPr b="0" lang="en-US" sz="2400" spc="-1" strike="noStrike">
                 <a:latin typeface="Arial"/>
               </a:rPr>
               <a:t>Third Outline Level</a:t>
             </a:r>
-            <a:endParaRPr b="0" lang="ru-RU" sz="2400" spc="-1" strike="noStrike">
+            <a:endParaRPr b="0" lang="en-US" sz="2400" spc="-1" strike="noStrike">
               <a:latin typeface="Arial"/>
             </a:endParaRPr>
           </a:p>
@@ -4257,12 +4257,12 @@
               <a:buChar char=""/>
             </a:pPr>
             <a:r>
-              <a:rPr b="0" lang="ru-RU" sz="2000" spc="-1" strike="noStrike">
+              <a:rPr b="0" lang="en-US" sz="2000" spc="-1" strike="noStrike">
                 <a:latin typeface="Arial"/>
               </a:rPr>
               <a:t>Fourth Outline Level</a:t>
             </a:r>
-            <a:endParaRPr b="0" lang="ru-RU" sz="2000" spc="-1" strike="noStrike">
+            <a:endParaRPr b="0" lang="en-US" sz="2000" spc="-1" strike="noStrike">
               <a:latin typeface="Arial"/>
             </a:endParaRPr>
           </a:p>
@@ -4279,12 +4279,12 @@
               <a:buChar char=""/>
             </a:pPr>
             <a:r>
-              <a:rPr b="0" lang="ru-RU" sz="2000" spc="-1" strike="noStrike">
+              <a:rPr b="0" lang="en-US" sz="2000" spc="-1" strike="noStrike">
                 <a:latin typeface="Arial"/>
               </a:rPr>
               <a:t>Fifth Outline Level</a:t>
             </a:r>
-            <a:endParaRPr b="0" lang="ru-RU" sz="2000" spc="-1" strike="noStrike">
+            <a:endParaRPr b="0" lang="en-US" sz="2000" spc="-1" strike="noStrike">
               <a:latin typeface="Arial"/>
             </a:endParaRPr>
           </a:p>
@@ -4301,12 +4301,12 @@
               <a:buChar char=""/>
             </a:pPr>
             <a:r>
-              <a:rPr b="0" lang="ru-RU" sz="2000" spc="-1" strike="noStrike">
+              <a:rPr b="0" lang="en-US" sz="2000" spc="-1" strike="noStrike">
                 <a:latin typeface="Arial"/>
               </a:rPr>
               <a:t>Sixth Outline Level</a:t>
             </a:r>
-            <a:endParaRPr b="0" lang="ru-RU" sz="2000" spc="-1" strike="noStrike">
+            <a:endParaRPr b="0" lang="en-US" sz="2000" spc="-1" strike="noStrike">
               <a:latin typeface="Arial"/>
             </a:endParaRPr>
           </a:p>
@@ -4323,12 +4323,12 @@
               <a:buChar char=""/>
             </a:pPr>
             <a:r>
-              <a:rPr b="0" lang="ru-RU" sz="2000" spc="-1" strike="noStrike">
+              <a:rPr b="0" lang="en-US" sz="2000" spc="-1" strike="noStrike">
                 <a:latin typeface="Arial"/>
               </a:rPr>
               <a:t>Seventh Outline Level</a:t>
             </a:r>
-            <a:endParaRPr b="0" lang="ru-RU" sz="2000" spc="-1" strike="noStrike">
+            <a:endParaRPr b="0" lang="en-US" sz="2000" spc="-1" strike="noStrike">
               <a:latin typeface="Arial"/>
             </a:endParaRPr>
           </a:p>
@@ -4407,12 +4407,12 @@
           <a:p>
             <a:pPr algn="ctr"/>
             <a:r>
-              <a:rPr b="0" lang="ru-RU" sz="4400" spc="-1" strike="noStrike">
+              <a:rPr b="0" lang="en-US" sz="4400" spc="-1" strike="noStrike">
                 <a:latin typeface="Arial"/>
               </a:rPr>
               <a:t>Click to edit the title text format</a:t>
             </a:r>
-            <a:endParaRPr b="0" lang="ru-RU" sz="4400" spc="-1" strike="noStrike">
+            <a:endParaRPr b="0" lang="en-US" sz="4400" spc="-1" strike="noStrike">
               <a:latin typeface="Arial"/>
             </a:endParaRPr>
           </a:p>
@@ -4454,12 +4454,12 @@
               <a:buChar char=""/>
             </a:pPr>
             <a:r>
-              <a:rPr b="0" lang="ru-RU" sz="3200" spc="-1" strike="noStrike">
+              <a:rPr b="0" lang="en-US" sz="3200" spc="-1" strike="noStrike">
                 <a:latin typeface="Arial"/>
               </a:rPr>
               <a:t>Click to edit the outline text format</a:t>
             </a:r>
-            <a:endParaRPr b="0" lang="ru-RU" sz="3200" spc="-1" strike="noStrike">
+            <a:endParaRPr b="0" lang="en-US" sz="3200" spc="-1" strike="noStrike">
               <a:latin typeface="Arial"/>
             </a:endParaRPr>
           </a:p>
@@ -4476,12 +4476,12 @@
               <a:buChar char=""/>
             </a:pPr>
             <a:r>
-              <a:rPr b="0" lang="ru-RU" sz="2800" spc="-1" strike="noStrike">
+              <a:rPr b="0" lang="en-US" sz="2800" spc="-1" strike="noStrike">
                 <a:latin typeface="Arial"/>
               </a:rPr>
               <a:t>Second Outline Level</a:t>
             </a:r>
-            <a:endParaRPr b="0" lang="ru-RU" sz="2800" spc="-1" strike="noStrike">
+            <a:endParaRPr b="0" lang="en-US" sz="2800" spc="-1" strike="noStrike">
               <a:latin typeface="Arial"/>
             </a:endParaRPr>
           </a:p>
@@ -4498,12 +4498,12 @@
               <a:buChar char=""/>
             </a:pPr>
             <a:r>
-              <a:rPr b="0" lang="ru-RU" sz="2400" spc="-1" strike="noStrike">
+              <a:rPr b="0" lang="en-US" sz="2400" spc="-1" strike="noStrike">
                 <a:latin typeface="Arial"/>
               </a:rPr>
               <a:t>Third Outline Level</a:t>
             </a:r>
-            <a:endParaRPr b="0" lang="ru-RU" sz="2400" spc="-1" strike="noStrike">
+            <a:endParaRPr b="0" lang="en-US" sz="2400" spc="-1" strike="noStrike">
               <a:latin typeface="Arial"/>
             </a:endParaRPr>
           </a:p>
@@ -4520,12 +4520,12 @@
               <a:buChar char=""/>
             </a:pPr>
             <a:r>
-              <a:rPr b="0" lang="ru-RU" sz="2000" spc="-1" strike="noStrike">
+              <a:rPr b="0" lang="en-US" sz="2000" spc="-1" strike="noStrike">
                 <a:latin typeface="Arial"/>
               </a:rPr>
               <a:t>Fourth Outline Level</a:t>
             </a:r>
-            <a:endParaRPr b="0" lang="ru-RU" sz="2000" spc="-1" strike="noStrike">
+            <a:endParaRPr b="0" lang="en-US" sz="2000" spc="-1" strike="noStrike">
               <a:latin typeface="Arial"/>
             </a:endParaRPr>
           </a:p>
@@ -4542,12 +4542,12 @@
               <a:buChar char=""/>
             </a:pPr>
             <a:r>
-              <a:rPr b="0" lang="ru-RU" sz="2000" spc="-1" strike="noStrike">
+              <a:rPr b="0" lang="en-US" sz="2000" spc="-1" strike="noStrike">
                 <a:latin typeface="Arial"/>
               </a:rPr>
               <a:t>Fifth Outline Level</a:t>
             </a:r>
-            <a:endParaRPr b="0" lang="ru-RU" sz="2000" spc="-1" strike="noStrike">
+            <a:endParaRPr b="0" lang="en-US" sz="2000" spc="-1" strike="noStrike">
               <a:latin typeface="Arial"/>
             </a:endParaRPr>
           </a:p>
@@ -4564,12 +4564,12 @@
               <a:buChar char=""/>
             </a:pPr>
             <a:r>
-              <a:rPr b="0" lang="ru-RU" sz="2000" spc="-1" strike="noStrike">
+              <a:rPr b="0" lang="en-US" sz="2000" spc="-1" strike="noStrike">
                 <a:latin typeface="Arial"/>
               </a:rPr>
               <a:t>Sixth Outline Level</a:t>
             </a:r>
-            <a:endParaRPr b="0" lang="ru-RU" sz="2000" spc="-1" strike="noStrike">
+            <a:endParaRPr b="0" lang="en-US" sz="2000" spc="-1" strike="noStrike">
               <a:latin typeface="Arial"/>
             </a:endParaRPr>
           </a:p>
@@ -4586,12 +4586,12 @@
               <a:buChar char=""/>
             </a:pPr>
             <a:r>
-              <a:rPr b="0" lang="ru-RU" sz="2000" spc="-1" strike="noStrike">
+              <a:rPr b="0" lang="en-US" sz="2000" spc="-1" strike="noStrike">
                 <a:latin typeface="Arial"/>
               </a:rPr>
               <a:t>Seventh Outline Level</a:t>
             </a:r>
-            <a:endParaRPr b="0" lang="ru-RU" sz="2000" spc="-1" strike="noStrike">
+            <a:endParaRPr b="0" lang="en-US" sz="2000" spc="-1" strike="noStrike">
               <a:latin typeface="Arial"/>
             </a:endParaRPr>
           </a:p>
@@ -4670,12 +4670,12 @@
           <a:p>
             <a:pPr algn="ctr"/>
             <a:r>
-              <a:rPr b="0" lang="ru-RU" sz="4400" spc="-1" strike="noStrike">
+              <a:rPr b="0" lang="en-US" sz="4400" spc="-1" strike="noStrike">
                 <a:latin typeface="Arial"/>
               </a:rPr>
               <a:t>Click to edit the title text format</a:t>
             </a:r>
-            <a:endParaRPr b="0" lang="ru-RU" sz="4400" spc="-1" strike="noStrike">
+            <a:endParaRPr b="0" lang="en-US" sz="4400" spc="-1" strike="noStrike">
               <a:latin typeface="Arial"/>
             </a:endParaRPr>
           </a:p>
@@ -4717,12 +4717,12 @@
               <a:buChar char=""/>
             </a:pPr>
             <a:r>
-              <a:rPr b="0" lang="ru-RU" sz="3200" spc="-1" strike="noStrike">
+              <a:rPr b="0" lang="en-US" sz="3200" spc="-1" strike="noStrike">
                 <a:latin typeface="Arial"/>
               </a:rPr>
               <a:t>Click to edit the outline text format</a:t>
             </a:r>
-            <a:endParaRPr b="0" lang="ru-RU" sz="3200" spc="-1" strike="noStrike">
+            <a:endParaRPr b="0" lang="en-US" sz="3200" spc="-1" strike="noStrike">
               <a:latin typeface="Arial"/>
             </a:endParaRPr>
           </a:p>
@@ -4739,12 +4739,12 @@
               <a:buChar char=""/>
             </a:pPr>
             <a:r>
-              <a:rPr b="0" lang="ru-RU" sz="2800" spc="-1" strike="noStrike">
+              <a:rPr b="0" lang="en-US" sz="2800" spc="-1" strike="noStrike">
                 <a:latin typeface="Arial"/>
               </a:rPr>
               <a:t>Second Outline Level</a:t>
             </a:r>
-            <a:endParaRPr b="0" lang="ru-RU" sz="2800" spc="-1" strike="noStrike">
+            <a:endParaRPr b="0" lang="en-US" sz="2800" spc="-1" strike="noStrike">
               <a:latin typeface="Arial"/>
             </a:endParaRPr>
           </a:p>
@@ -4761,12 +4761,12 @@
               <a:buChar char=""/>
             </a:pPr>
             <a:r>
-              <a:rPr b="0" lang="ru-RU" sz="2400" spc="-1" strike="noStrike">
+              <a:rPr b="0" lang="en-US" sz="2400" spc="-1" strike="noStrike">
                 <a:latin typeface="Arial"/>
               </a:rPr>
               <a:t>Third Outline Level</a:t>
             </a:r>
-            <a:endParaRPr b="0" lang="ru-RU" sz="2400" spc="-1" strike="noStrike">
+            <a:endParaRPr b="0" lang="en-US" sz="2400" spc="-1" strike="noStrike">
               <a:latin typeface="Arial"/>
             </a:endParaRPr>
           </a:p>
@@ -4783,12 +4783,12 @@
               <a:buChar char=""/>
             </a:pPr>
             <a:r>
-              <a:rPr b="0" lang="ru-RU" sz="2000" spc="-1" strike="noStrike">
+              <a:rPr b="0" lang="en-US" sz="2000" spc="-1" strike="noStrike">
                 <a:latin typeface="Arial"/>
               </a:rPr>
               <a:t>Fourth Outline Level</a:t>
             </a:r>
-            <a:endParaRPr b="0" lang="ru-RU" sz="2000" spc="-1" strike="noStrike">
+            <a:endParaRPr b="0" lang="en-US" sz="2000" spc="-1" strike="noStrike">
               <a:latin typeface="Arial"/>
             </a:endParaRPr>
           </a:p>
@@ -4805,12 +4805,12 @@
               <a:buChar char=""/>
             </a:pPr>
             <a:r>
-              <a:rPr b="0" lang="ru-RU" sz="2000" spc="-1" strike="noStrike">
+              <a:rPr b="0" lang="en-US" sz="2000" spc="-1" strike="noStrike">
                 <a:latin typeface="Arial"/>
               </a:rPr>
               <a:t>Fifth Outline Level</a:t>
             </a:r>
-            <a:endParaRPr b="0" lang="ru-RU" sz="2000" spc="-1" strike="noStrike">
+            <a:endParaRPr b="0" lang="en-US" sz="2000" spc="-1" strike="noStrike">
               <a:latin typeface="Arial"/>
             </a:endParaRPr>
           </a:p>
@@ -4827,12 +4827,12 @@
               <a:buChar char=""/>
             </a:pPr>
             <a:r>
-              <a:rPr b="0" lang="ru-RU" sz="2000" spc="-1" strike="noStrike">
+              <a:rPr b="0" lang="en-US" sz="2000" spc="-1" strike="noStrike">
                 <a:latin typeface="Arial"/>
               </a:rPr>
               <a:t>Sixth Outline Level</a:t>
             </a:r>
-            <a:endParaRPr b="0" lang="ru-RU" sz="2000" spc="-1" strike="noStrike">
+            <a:endParaRPr b="0" lang="en-US" sz="2000" spc="-1" strike="noStrike">
               <a:latin typeface="Arial"/>
             </a:endParaRPr>
           </a:p>
@@ -4849,12 +4849,12 @@
               <a:buChar char=""/>
             </a:pPr>
             <a:r>
-              <a:rPr b="0" lang="ru-RU" sz="2000" spc="-1" strike="noStrike">
+              <a:rPr b="0" lang="en-US" sz="2000" spc="-1" strike="noStrike">
                 <a:latin typeface="Arial"/>
               </a:rPr>
               <a:t>Seventh Outline Level</a:t>
             </a:r>
-            <a:endParaRPr b="0" lang="ru-RU" sz="2000" spc="-1" strike="noStrike">
+            <a:endParaRPr b="0" lang="en-US" sz="2000" spc="-1" strike="noStrike">
               <a:latin typeface="Arial"/>
             </a:endParaRPr>
           </a:p>
@@ -4906,7 +4906,7 @@
         <p:spPr>
           <a:xfrm>
             <a:off x="548640" y="301320"/>
-            <a:ext cx="10795680" cy="4450680"/>
+            <a:ext cx="10795320" cy="4450320"/>
           </a:xfrm>
           <a:prstGeom prst="rect">
             <a:avLst/>
@@ -4942,7 +4942,7 @@
               </a:rPr>
               <a:t>Инструментальные средства программирования</a:t>
             </a:r>
-            <a:endParaRPr b="0" lang="ru-RU" sz="8000" spc="-1" strike="noStrike">
+            <a:endParaRPr b="0" lang="en-US" sz="8000" spc="-1" strike="noStrike">
               <a:latin typeface="Arial"/>
             </a:endParaRPr>
           </a:p>
@@ -4957,7 +4957,7 @@
         <p:spPr>
           <a:xfrm>
             <a:off x="552960" y="5216400"/>
-            <a:ext cx="10787040" cy="1547280"/>
+            <a:ext cx="10786680" cy="1546920"/>
           </a:xfrm>
           <a:prstGeom prst="rect">
             <a:avLst/>
@@ -4993,7 +4993,7 @@
               </a:rPr>
               <a:t>Лекция 6. Razor &amp; Web UI</a:t>
             </a:r>
-            <a:endParaRPr b="0" lang="ru-RU" sz="3600" spc="-1" strike="noStrike">
+            <a:endParaRPr b="0" lang="en-US" sz="3600" spc="-1" strike="noStrike">
               <a:latin typeface="Arial"/>
             </a:endParaRPr>
           </a:p>
@@ -5013,7 +5013,7 @@
               </a:rPr>
               <a:t>Пешехонов К. А., 18.11.2020</a:t>
             </a:r>
-            <a:endParaRPr b="0" lang="ru-RU" sz="3600" spc="-1" strike="noStrike">
+            <a:endParaRPr b="0" lang="en-US" sz="3600" spc="-1" strike="noStrike">
               <a:latin typeface="Arial"/>
             </a:endParaRPr>
           </a:p>
@@ -5058,7 +5058,7 @@
         <p:spPr>
           <a:xfrm>
             <a:off x="599040" y="841320"/>
-            <a:ext cx="10795680" cy="5848920"/>
+            <a:ext cx="10795320" cy="5848560"/>
           </a:xfrm>
           <a:prstGeom prst="rect">
             <a:avLst/>
@@ -5094,7 +5094,7 @@
               </a:rPr>
               <a:t>Спасибо за внимание</a:t>
             </a:r>
-            <a:endParaRPr b="0" lang="ru-RU" sz="4000" spc="-1" strike="noStrike">
+            <a:endParaRPr b="0" lang="en-US" sz="4000" spc="-1" strike="noStrike">
               <a:latin typeface="Arial"/>
             </a:endParaRPr>
           </a:p>
@@ -5139,7 +5139,7 @@
         <p:spPr>
           <a:xfrm>
             <a:off x="578160" y="34560"/>
-            <a:ext cx="10796040" cy="1259640"/>
+            <a:ext cx="10795680" cy="1259280"/>
           </a:xfrm>
           <a:prstGeom prst="rect">
             <a:avLst/>
@@ -5175,7 +5175,7 @@
               </a:rPr>
               <a:t>Web UI</a:t>
             </a:r>
-            <a:endParaRPr b="0" lang="ru-RU" sz="4400" spc="-1" strike="noStrike">
+            <a:endParaRPr b="0" lang="en-US" sz="4400" spc="-1" strike="noStrike">
               <a:latin typeface="Arial"/>
             </a:endParaRPr>
           </a:p>
@@ -5190,7 +5190,7 @@
         <p:spPr>
           <a:xfrm>
             <a:off x="1656000" y="1368000"/>
-            <a:ext cx="8853840" cy="1942200"/>
+            <a:ext cx="8853480" cy="1941840"/>
           </a:xfrm>
           <a:prstGeom prst="rect">
             <a:avLst/>
@@ -5211,7 +5211,7 @@
             <a:noAutofit/>
           </a:bodyPr>
           <a:p>
-            <a:pPr marL="216000" indent="-214200">
+            <a:pPr marL="216000" indent="-213840">
               <a:lnSpc>
                 <a:spcPct val="100000"/>
               </a:lnSpc>
@@ -5238,12 +5238,12 @@
               </a:rPr>
               <a:t>JS/TS приложение — поддерживается Visual Studio/Rider</a:t>
             </a:r>
-            <a:endParaRPr b="0" lang="ru-RU" sz="1500" spc="-1" strike="noStrike">
-              <a:latin typeface="Arial"/>
-            </a:endParaRPr>
-          </a:p>
-          <a:p>
-            <a:pPr marL="216000" indent="-214200">
+            <a:endParaRPr b="0" lang="en-US" sz="1500" spc="-1" strike="noStrike">
+              <a:latin typeface="Arial"/>
+            </a:endParaRPr>
+          </a:p>
+          <a:p>
+            <a:pPr marL="216000" indent="-213840">
               <a:lnSpc>
                 <a:spcPct val="100000"/>
               </a:lnSpc>
@@ -5270,12 +5270,12 @@
               </a:rPr>
               <a:t>ASP.NET WebPages — только .Net Framework</a:t>
             </a:r>
-            <a:endParaRPr b="0" lang="ru-RU" sz="1500" spc="-1" strike="noStrike">
-              <a:latin typeface="Arial"/>
-            </a:endParaRPr>
-          </a:p>
-          <a:p>
-            <a:pPr marL="216000" indent="-214200">
+            <a:endParaRPr b="0" lang="en-US" sz="1500" spc="-1" strike="noStrike">
+              <a:latin typeface="Arial"/>
+            </a:endParaRPr>
+          </a:p>
+          <a:p>
+            <a:pPr marL="216000" indent="-213840">
               <a:lnSpc>
                 <a:spcPct val="100000"/>
               </a:lnSpc>
@@ -5302,12 +5302,12 @@
               </a:rPr>
               <a:t>Сторонний интерфейс (через WebAPI)</a:t>
             </a:r>
-            <a:endParaRPr b="0" lang="ru-RU" sz="1500" spc="-1" strike="noStrike">
-              <a:latin typeface="Arial"/>
-            </a:endParaRPr>
-          </a:p>
-          <a:p>
-            <a:pPr marL="216000" indent="-214200">
+            <a:endParaRPr b="0" lang="en-US" sz="1500" spc="-1" strike="noStrike">
+              <a:latin typeface="Arial"/>
+            </a:endParaRPr>
+          </a:p>
+          <a:p>
+            <a:pPr marL="216000" indent="-213840">
               <a:lnSpc>
                 <a:spcPct val="100000"/>
               </a:lnSpc>
@@ -5334,12 +5334,12 @@
               </a:rPr>
               <a:t>ASP.NET Razor Page (для простых страниц, упрощенная модель, ближе к MVVM, чем к MVC)</a:t>
             </a:r>
-            <a:endParaRPr b="0" lang="ru-RU" sz="1500" spc="-1" strike="noStrike">
-              <a:latin typeface="Arial"/>
-            </a:endParaRPr>
-          </a:p>
-          <a:p>
-            <a:pPr marL="216000" indent="-214200">
+            <a:endParaRPr b="0" lang="en-US" sz="1500" spc="-1" strike="noStrike">
+              <a:latin typeface="Arial"/>
+            </a:endParaRPr>
+          </a:p>
+          <a:p>
+            <a:pPr marL="216000" indent="-213840">
               <a:lnSpc>
                 <a:spcPct val="100000"/>
               </a:lnSpc>
@@ -5366,7 +5366,7 @@
               </a:rPr>
               <a:t>ASP.NET MVC</a:t>
             </a:r>
-            <a:endParaRPr b="0" lang="ru-RU" sz="1500" spc="-1" strike="noStrike">
+            <a:endParaRPr b="0" lang="en-US" sz="1500" spc="-1" strike="noStrike">
               <a:latin typeface="Arial"/>
             </a:endParaRPr>
           </a:p>
@@ -5381,7 +5381,7 @@
         <p:spPr>
           <a:xfrm>
             <a:off x="360000" y="5400000"/>
-            <a:ext cx="10796040" cy="1259640"/>
+            <a:ext cx="10795680" cy="1259280"/>
           </a:xfrm>
           <a:prstGeom prst="rect">
             <a:avLst/>
@@ -5417,7 +5417,7 @@
               </a:rPr>
               <a:t>Основы разработки корпоративных систем на платформе .NET</a:t>
             </a:r>
-            <a:endParaRPr b="0" lang="ru-RU" sz="2800" spc="-1" strike="noStrike">
+            <a:endParaRPr b="0" lang="en-US" sz="2800" spc="-1" strike="noStrike">
               <a:latin typeface="Arial"/>
             </a:endParaRPr>
           </a:p>
@@ -5462,7 +5462,7 @@
         <p:spPr>
           <a:xfrm>
             <a:off x="578160" y="34560"/>
-            <a:ext cx="10796040" cy="1259640"/>
+            <a:ext cx="10795680" cy="1259280"/>
           </a:xfrm>
           <a:prstGeom prst="rect">
             <a:avLst/>
@@ -5498,7 +5498,7 @@
               </a:rPr>
               <a:t>ASP.NET MVC</a:t>
             </a:r>
-            <a:endParaRPr b="0" lang="ru-RU" sz="4400" spc="-1" strike="noStrike">
+            <a:endParaRPr b="0" lang="en-US" sz="4400" spc="-1" strike="noStrike">
               <a:latin typeface="Arial"/>
             </a:endParaRPr>
           </a:p>
@@ -5513,7 +5513,7 @@
         <p:spPr>
           <a:xfrm>
             <a:off x="360000" y="5400000"/>
-            <a:ext cx="10796040" cy="1259640"/>
+            <a:ext cx="10795680" cy="1259280"/>
           </a:xfrm>
           <a:prstGeom prst="rect">
             <a:avLst/>
@@ -5549,7 +5549,7 @@
               </a:rPr>
               <a:t>Основы разработки корпоративных систем на платформе .NET</a:t>
             </a:r>
-            <a:endParaRPr b="0" lang="ru-RU" sz="2800" spc="-1" strike="noStrike">
+            <a:endParaRPr b="0" lang="en-US" sz="2800" spc="-1" strike="noStrike">
               <a:latin typeface="Arial"/>
             </a:endParaRPr>
           </a:p>
@@ -5568,7 +5568,7 @@
         <p:spPr>
           <a:xfrm>
             <a:off x="2090160" y="1080000"/>
-            <a:ext cx="7557840" cy="3553200"/>
+            <a:ext cx="7557480" cy="3552840"/>
           </a:xfrm>
           <a:prstGeom prst="rect">
             <a:avLst/>
@@ -5617,7 +5617,7 @@
         <p:spPr>
           <a:xfrm>
             <a:off x="360000" y="5400000"/>
-            <a:ext cx="10796040" cy="1259640"/>
+            <a:ext cx="10795680" cy="1259280"/>
           </a:xfrm>
           <a:prstGeom prst="rect">
             <a:avLst/>
@@ -5653,7 +5653,7 @@
               </a:rPr>
               <a:t>Основы разработки корпоративных систем на платформе .NET</a:t>
             </a:r>
-            <a:endParaRPr b="0" lang="ru-RU" sz="2800" spc="-1" strike="noStrike">
+            <a:endParaRPr b="0" lang="en-US" sz="2800" spc="-1" strike="noStrike">
               <a:latin typeface="Arial"/>
             </a:endParaRPr>
           </a:p>
@@ -5672,7 +5672,7 @@
         <p:spPr>
           <a:xfrm>
             <a:off x="1296000" y="72000"/>
-            <a:ext cx="9434520" cy="4611240"/>
+            <a:ext cx="9434160" cy="4610880"/>
           </a:xfrm>
           <a:prstGeom prst="rect">
             <a:avLst/>
@@ -5684,14 +5684,14 @@
       </p:pic>
       <p:sp>
         <p:nvSpPr>
-          <p:cNvPr id="124" name="TextShape 2"/>
-          <p:cNvSpPr txBox="1"/>
+          <p:cNvPr id="124" name="CustomShape 2"/>
+          <p:cNvSpPr/>
           <p:nvPr/>
         </p:nvSpPr>
         <p:spPr>
           <a:xfrm>
             <a:off x="2880000" y="4683240"/>
-            <a:ext cx="6549480" cy="346680"/>
+            <a:ext cx="6549120" cy="346320"/>
           </a:xfrm>
           <a:prstGeom prst="rect">
             <a:avLst/>
@@ -5701,19 +5701,34 @@
             <a:noFill/>
           </a:ln>
         </p:spPr>
+        <p:style>
+          <a:lnRef idx="0"/>
+          <a:fillRef idx="0"/>
+          <a:effectRef idx="0"/>
+          <a:fontRef idx="minor"/>
+        </p:style>
         <p:txBody>
           <a:bodyPr lIns="90000" rIns="90000" tIns="45000" bIns="45000">
             <a:noAutofit/>
           </a:bodyPr>
           <a:p>
+            <a:pPr>
+              <a:lnSpc>
+                <a:spcPct val="100000"/>
+              </a:lnSpc>
+            </a:pPr>
             <a:r>
-              <a:rPr b="0" lang="ru-RU" sz="1800" spc="-1" strike="noStrike">
+              <a:rPr b="0" lang="ru-RU" sz="1800" spc="-1" strike="noStrike" u="sng">
+                <a:solidFill>
+                  <a:srgbClr val="0000ff"/>
+                </a:solidFill>
+                <a:uFillTx/>
                 <a:latin typeface="Arial"/>
                 <a:hlinkClick r:id="rId2"/>
               </a:rPr>
               <a:t>http://www.codestones.com/2017/04/aspnet-mvc-life-cycle.html</a:t>
             </a:r>
-            <a:endParaRPr b="0" lang="ru-RU" sz="1800" spc="-1" strike="noStrike">
+            <a:endParaRPr b="0" lang="en-US" sz="1800" spc="-1" strike="noStrike">
               <a:latin typeface="Arial"/>
             </a:endParaRPr>
           </a:p>
@@ -5758,7 +5773,7 @@
         <p:spPr>
           <a:xfrm>
             <a:off x="578160" y="34560"/>
-            <a:ext cx="10796040" cy="1259640"/>
+            <a:ext cx="10795680" cy="1259280"/>
           </a:xfrm>
           <a:prstGeom prst="rect">
             <a:avLst/>
@@ -5794,7 +5809,7 @@
               </a:rPr>
               <a:t>Структура проекта</a:t>
             </a:r>
-            <a:endParaRPr b="0" lang="ru-RU" sz="4400" spc="-1" strike="noStrike">
+            <a:endParaRPr b="0" lang="en-US" sz="4400" spc="-1" strike="noStrike">
               <a:latin typeface="Arial"/>
             </a:endParaRPr>
           </a:p>
@@ -5809,7 +5824,7 @@
         <p:spPr>
           <a:xfrm>
             <a:off x="1584000" y="936000"/>
-            <a:ext cx="8853840" cy="4104000"/>
+            <a:ext cx="8853480" cy="4103640"/>
           </a:xfrm>
           <a:prstGeom prst="rect">
             <a:avLst/>
@@ -5830,7 +5845,7 @@
             <a:noAutofit/>
           </a:bodyPr>
           <a:p>
-            <a:pPr marL="216000" indent="-214200">
+            <a:pPr marL="216000" indent="-213840">
               <a:lnSpc>
                 <a:spcPct val="100000"/>
               </a:lnSpc>
@@ -5857,12 +5872,12 @@
               </a:rPr>
               <a:t>Models — максимально POCO классы, описывающие структуры отображаемые View</a:t>
             </a:r>
-            <a:endParaRPr b="0" lang="ru-RU" sz="1500" spc="-1" strike="noStrike">
-              <a:latin typeface="Arial"/>
-            </a:endParaRPr>
-          </a:p>
-          <a:p>
-            <a:pPr marL="216000" indent="-214200">
+            <a:endParaRPr b="0" lang="en-US" sz="1500" spc="-1" strike="noStrike">
+              <a:latin typeface="Arial"/>
+            </a:endParaRPr>
+          </a:p>
+          <a:p>
+            <a:pPr marL="216000" indent="-213840">
               <a:lnSpc>
                 <a:spcPct val="100000"/>
               </a:lnSpc>
@@ -5889,12 +5904,12 @@
               </a:rPr>
               <a:t>Controllers</a:t>
             </a:r>
-            <a:endParaRPr b="0" lang="ru-RU" sz="1500" spc="-1" strike="noStrike">
-              <a:latin typeface="Arial"/>
-            </a:endParaRPr>
-          </a:p>
-          <a:p>
-            <a:pPr lvl="1" marL="432000" indent="-216000">
+            <a:endParaRPr b="0" lang="en-US" sz="1500" spc="-1" strike="noStrike">
+              <a:latin typeface="Arial"/>
+            </a:endParaRPr>
+          </a:p>
+          <a:p>
+            <a:pPr lvl="1" marL="432000" indent="-215640">
               <a:lnSpc>
                 <a:spcPct val="100000"/>
               </a:lnSpc>
@@ -5921,12 +5936,12 @@
               </a:rPr>
               <a:t>HomeController.cs (с методами Index() и Privacy())</a:t>
             </a:r>
-            <a:endParaRPr b="0" lang="ru-RU" sz="1500" spc="-1" strike="noStrike">
-              <a:latin typeface="Arial"/>
-            </a:endParaRPr>
-          </a:p>
-          <a:p>
-            <a:pPr lvl="1" marL="432000" indent="-216000">
+            <a:endParaRPr b="0" lang="en-US" sz="1500" spc="-1" strike="noStrike">
+              <a:latin typeface="Arial"/>
+            </a:endParaRPr>
+          </a:p>
+          <a:p>
+            <a:pPr lvl="1" marL="432000" indent="-215640">
               <a:lnSpc>
                 <a:spcPct val="100000"/>
               </a:lnSpc>
@@ -5953,12 +5968,12 @@
               </a:rPr>
               <a:t>WeatherForecastController.cs (с методами Index() и Details())</a:t>
             </a:r>
-            <a:endParaRPr b="0" lang="ru-RU" sz="1500" spc="-1" strike="noStrike">
-              <a:latin typeface="Arial"/>
-            </a:endParaRPr>
-          </a:p>
-          <a:p>
-            <a:pPr marL="216000" indent="-214200">
+            <a:endParaRPr b="0" lang="en-US" sz="1500" spc="-1" strike="noStrike">
+              <a:latin typeface="Arial"/>
+            </a:endParaRPr>
+          </a:p>
+          <a:p>
+            <a:pPr marL="216000" indent="-213840">
               <a:lnSpc>
                 <a:spcPct val="100000"/>
               </a:lnSpc>
@@ -5985,12 +6000,12 @@
               </a:rPr>
               <a:t>Views</a:t>
             </a:r>
-            <a:endParaRPr b="0" lang="ru-RU" sz="1500" spc="-1" strike="noStrike">
-              <a:latin typeface="Arial"/>
-            </a:endParaRPr>
-          </a:p>
-          <a:p>
-            <a:pPr lvl="1" marL="432000" indent="-216000">
+            <a:endParaRPr b="0" lang="en-US" sz="1500" spc="-1" strike="noStrike">
+              <a:latin typeface="Arial"/>
+            </a:endParaRPr>
+          </a:p>
+          <a:p>
+            <a:pPr lvl="1" marL="432000" indent="-215640">
               <a:lnSpc>
                 <a:spcPct val="100000"/>
               </a:lnSpc>
@@ -6017,12 +6032,12 @@
               </a:rPr>
               <a:t>Home</a:t>
             </a:r>
-            <a:endParaRPr b="0" lang="ru-RU" sz="1500" spc="-1" strike="noStrike">
-              <a:latin typeface="Arial"/>
-            </a:endParaRPr>
-          </a:p>
-          <a:p>
-            <a:pPr lvl="2" marL="648000" indent="-216000">
+            <a:endParaRPr b="0" lang="en-US" sz="1500" spc="-1" strike="noStrike">
+              <a:latin typeface="Arial"/>
+            </a:endParaRPr>
+          </a:p>
+          <a:p>
+            <a:pPr lvl="2" marL="648000" indent="-215640">
               <a:lnSpc>
                 <a:spcPct val="100000"/>
               </a:lnSpc>
@@ -6049,12 +6064,12 @@
               </a:rPr>
               <a:t>Index.cshtml</a:t>
             </a:r>
-            <a:endParaRPr b="0" lang="ru-RU" sz="1500" spc="-1" strike="noStrike">
-              <a:latin typeface="Arial"/>
-            </a:endParaRPr>
-          </a:p>
-          <a:p>
-            <a:pPr lvl="2" marL="648000" indent="-216000">
+            <a:endParaRPr b="0" lang="en-US" sz="1500" spc="-1" strike="noStrike">
+              <a:latin typeface="Arial"/>
+            </a:endParaRPr>
+          </a:p>
+          <a:p>
+            <a:pPr lvl="2" marL="648000" indent="-215640">
               <a:lnSpc>
                 <a:spcPct val="100000"/>
               </a:lnSpc>
@@ -6081,12 +6096,12 @@
               </a:rPr>
               <a:t>Privacy.cshtml</a:t>
             </a:r>
-            <a:endParaRPr b="0" lang="ru-RU" sz="1500" spc="-1" strike="noStrike">
-              <a:latin typeface="Arial"/>
-            </a:endParaRPr>
-          </a:p>
-          <a:p>
-            <a:pPr lvl="1" marL="432000" indent="-216000">
+            <a:endParaRPr b="0" lang="en-US" sz="1500" spc="-1" strike="noStrike">
+              <a:latin typeface="Arial"/>
+            </a:endParaRPr>
+          </a:p>
+          <a:p>
+            <a:pPr lvl="1" marL="432000" indent="-215640">
               <a:lnSpc>
                 <a:spcPct val="100000"/>
               </a:lnSpc>
@@ -6113,12 +6128,12 @@
               </a:rPr>
               <a:t>WeatherForecast</a:t>
             </a:r>
-            <a:endParaRPr b="0" lang="ru-RU" sz="1500" spc="-1" strike="noStrike">
-              <a:latin typeface="Arial"/>
-            </a:endParaRPr>
-          </a:p>
-          <a:p>
-            <a:pPr lvl="2" marL="648000" indent="-216000">
+            <a:endParaRPr b="0" lang="en-US" sz="1500" spc="-1" strike="noStrike">
+              <a:latin typeface="Arial"/>
+            </a:endParaRPr>
+          </a:p>
+          <a:p>
+            <a:pPr lvl="2" marL="648000" indent="-215640">
               <a:lnSpc>
                 <a:spcPct val="100000"/>
               </a:lnSpc>
@@ -6143,14 +6158,14 @@
                 <a:latin typeface="Open Sans"/>
                 <a:ea typeface="DejaVu Sans"/>
               </a:rPr>
-              <a:t>Index.cshtl</a:t>
+              <a:t>Index.cshtml</a:t>
             </a:r>
-            <a:endParaRPr b="0" lang="ru-RU" sz="1500" spc="-1" strike="noStrike">
-              <a:latin typeface="Arial"/>
-            </a:endParaRPr>
-          </a:p>
-          <a:p>
-            <a:pPr lvl="2" marL="648000" indent="-216000">
+            <a:endParaRPr b="0" lang="en-US" sz="1500" spc="-1" strike="noStrike">
+              <a:latin typeface="Arial"/>
+            </a:endParaRPr>
+          </a:p>
+          <a:p>
+            <a:pPr lvl="2" marL="648000" indent="-215640">
               <a:lnSpc>
                 <a:spcPct val="100000"/>
               </a:lnSpc>
@@ -6177,12 +6192,12 @@
               </a:rPr>
               <a:t>Details.cshtml</a:t>
             </a:r>
-            <a:endParaRPr b="0" lang="ru-RU" sz="1500" spc="-1" strike="noStrike">
-              <a:latin typeface="Arial"/>
-            </a:endParaRPr>
-          </a:p>
-          <a:p>
-            <a:pPr lvl="1" marL="432000" indent="-216000">
+            <a:endParaRPr b="0" lang="en-US" sz="1500" spc="-1" strike="noStrike">
+              <a:latin typeface="Arial"/>
+            </a:endParaRPr>
+          </a:p>
+          <a:p>
+            <a:pPr lvl="1" marL="432000" indent="-215640">
               <a:lnSpc>
                 <a:spcPct val="100000"/>
               </a:lnSpc>
@@ -6209,12 +6224,12 @@
               </a:rPr>
               <a:t>Shared — здесь лежат общие страницы: ошибок, Layouts, etc.</a:t>
             </a:r>
-            <a:endParaRPr b="0" lang="ru-RU" sz="1500" spc="-1" strike="noStrike">
-              <a:latin typeface="Arial"/>
-            </a:endParaRPr>
-          </a:p>
-          <a:p>
-            <a:pPr marL="216000" indent="-214200">
+            <a:endParaRPr b="0" lang="en-US" sz="1500" spc="-1" strike="noStrike">
+              <a:latin typeface="Arial"/>
+            </a:endParaRPr>
+          </a:p>
+          <a:p>
+            <a:pPr>
               <a:lnSpc>
                 <a:spcPct val="100000"/>
               </a:lnSpc>
@@ -6224,14 +6239,8 @@
               <a:spcAft>
                 <a:spcPts val="451"/>
               </a:spcAft>
-              <a:buClr>
-                <a:srgbClr val="000000"/>
-              </a:buClr>
-              <a:buSzPct val="45000"/>
-              <a:buFont typeface="Wingdings" charset="2"/>
-              <a:buChar char=""/>
             </a:pPr>
-            <a:endParaRPr b="0" lang="ru-RU" sz="1500" spc="-1" strike="noStrike">
+            <a:endParaRPr b="0" lang="en-US" sz="1500" spc="-1" strike="noStrike">
               <a:latin typeface="Arial"/>
             </a:endParaRPr>
           </a:p>
@@ -6246,7 +6255,7 @@
         <p:spPr>
           <a:xfrm>
             <a:off x="360000" y="5400000"/>
-            <a:ext cx="10796040" cy="1259640"/>
+            <a:ext cx="10795680" cy="1259280"/>
           </a:xfrm>
           <a:prstGeom prst="rect">
             <a:avLst/>
@@ -6282,7 +6291,7 @@
               </a:rPr>
               <a:t>Основы разработки корпоративных систем на платформе .NET</a:t>
             </a:r>
-            <a:endParaRPr b="0" lang="ru-RU" sz="2800" spc="-1" strike="noStrike">
+            <a:endParaRPr b="0" lang="en-US" sz="2800" spc="-1" strike="noStrike">
               <a:latin typeface="Arial"/>
             </a:endParaRPr>
           </a:p>
@@ -6327,7 +6336,7 @@
         <p:spPr>
           <a:xfrm>
             <a:off x="578160" y="34560"/>
-            <a:ext cx="10796040" cy="1259640"/>
+            <a:ext cx="10795680" cy="1259280"/>
           </a:xfrm>
           <a:prstGeom prst="rect">
             <a:avLst/>
@@ -6363,7 +6372,7 @@
               </a:rPr>
               <a:t>Razor</a:t>
             </a:r>
-            <a:endParaRPr b="0" lang="ru-RU" sz="4400" spc="-1" strike="noStrike">
+            <a:endParaRPr b="0" lang="en-US" sz="4400" spc="-1" strike="noStrike">
               <a:latin typeface="Arial"/>
             </a:endParaRPr>
           </a:p>
@@ -6378,7 +6387,7 @@
         <p:spPr>
           <a:xfrm>
             <a:off x="1586160" y="1008000"/>
-            <a:ext cx="8853840" cy="4104000"/>
+            <a:ext cx="8853480" cy="4103640"/>
           </a:xfrm>
           <a:prstGeom prst="rect">
             <a:avLst/>
@@ -6399,7 +6408,7 @@
             <a:noAutofit/>
           </a:bodyPr>
           <a:p>
-            <a:pPr marL="216000" indent="-214200">
+            <a:pPr marL="216000" indent="-213840">
               <a:lnSpc>
                 <a:spcPct val="100000"/>
               </a:lnSpc>
@@ -6426,12 +6435,12 @@
               </a:rPr>
               <a:t>Пишется как часть HTML разметки, все операнды начинаются с @ (не является частью, предваряет использование C#)</a:t>
             </a:r>
-            <a:endParaRPr b="0" lang="ru-RU" sz="1500" spc="-1" strike="noStrike">
-              <a:latin typeface="Arial"/>
-            </a:endParaRPr>
-          </a:p>
-          <a:p>
-            <a:pPr marL="216000" indent="-214200">
+            <a:endParaRPr b="0" lang="en-US" sz="1500" spc="-1" strike="noStrike">
+              <a:latin typeface="Arial"/>
+            </a:endParaRPr>
+          </a:p>
+          <a:p>
+            <a:pPr marL="216000" indent="-213840">
               <a:lnSpc>
                 <a:spcPct val="100000"/>
               </a:lnSpc>
@@ -6458,12 +6467,12 @@
               </a:rPr>
               <a:t>Компилируется в HTML на сервере (PHP style)</a:t>
             </a:r>
-            <a:endParaRPr b="0" lang="ru-RU" sz="1500" spc="-1" strike="noStrike">
-              <a:latin typeface="Arial"/>
-            </a:endParaRPr>
-          </a:p>
-          <a:p>
-            <a:pPr marL="216000" indent="-214200">
+            <a:endParaRPr b="0" lang="en-US" sz="1500" spc="-1" strike="noStrike">
+              <a:latin typeface="Arial"/>
+            </a:endParaRPr>
+          </a:p>
+          <a:p>
+            <a:pPr marL="216000" indent="-213840">
               <a:lnSpc>
                 <a:spcPct val="100000"/>
               </a:lnSpc>
@@ -6490,12 +6499,12 @@
               </a:rPr>
               <a:t>В общем случае кодом считается текст и скобки до первого пробела или HTML-символа</a:t>
             </a:r>
-            <a:endParaRPr b="0" lang="ru-RU" sz="1500" spc="-1" strike="noStrike">
-              <a:latin typeface="Arial"/>
-            </a:endParaRPr>
-          </a:p>
-          <a:p>
-            <a:pPr marL="216000" indent="-214200">
+            <a:endParaRPr b="0" lang="en-US" sz="1500" spc="-1" strike="noStrike">
+              <a:latin typeface="Arial"/>
+            </a:endParaRPr>
+          </a:p>
+          <a:p>
+            <a:pPr marL="216000" indent="-213840">
               <a:lnSpc>
                 <a:spcPct val="100000"/>
               </a:lnSpc>
@@ -6522,12 +6531,12 @@
               </a:rPr>
               <a:t>Можно оборачивать сложные выражения в скобки @(…)</a:t>
             </a:r>
-            <a:endParaRPr b="0" lang="ru-RU" sz="1500" spc="-1" strike="noStrike">
-              <a:latin typeface="Arial"/>
-            </a:endParaRPr>
-          </a:p>
-          <a:p>
-            <a:pPr marL="216000" indent="-214200">
+            <a:endParaRPr b="0" lang="en-US" sz="1500" spc="-1" strike="noStrike">
+              <a:latin typeface="Arial"/>
+            </a:endParaRPr>
+          </a:p>
+          <a:p>
+            <a:pPr marL="216000" indent="-213840">
               <a:lnSpc>
                 <a:spcPct val="100000"/>
               </a:lnSpc>
@@ -6554,12 +6563,12 @@
               </a:rPr>
               <a:t>Если операция предполагает много строк, то будет корректно распознавать ее на разных строках (i.e. @foreach (…) { &lt;здесь могут быть строки HTML&gt; }. В целом может быть просто @{ ... }</a:t>
             </a:r>
-            <a:endParaRPr b="0" lang="ru-RU" sz="1500" spc="-1" strike="noStrike">
-              <a:latin typeface="Arial"/>
-            </a:endParaRPr>
-          </a:p>
-          <a:p>
-            <a:pPr marL="216000" indent="-214200">
+            <a:endParaRPr b="0" lang="en-US" sz="1500" spc="-1" strike="noStrike">
+              <a:latin typeface="Arial"/>
+            </a:endParaRPr>
+          </a:p>
+          <a:p>
+            <a:pPr marL="216000" indent="-213840">
               <a:lnSpc>
                 <a:spcPct val="100000"/>
               </a:lnSpc>
@@ -6586,12 +6595,12 @@
               </a:rPr>
               <a:t>@Html — контейнер для отрисовки HTML элементов (например, ссылок на другие Controller/Actions или списков из массивов)</a:t>
             </a:r>
-            <a:endParaRPr b="0" lang="ru-RU" sz="1500" spc="-1" strike="noStrike">
-              <a:latin typeface="Arial"/>
-            </a:endParaRPr>
-          </a:p>
-          <a:p>
-            <a:pPr marL="216000" indent="-214200">
+            <a:endParaRPr b="0" lang="en-US" sz="1500" spc="-1" strike="noStrike">
+              <a:latin typeface="Arial"/>
+            </a:endParaRPr>
+          </a:p>
+          <a:p>
+            <a:pPr marL="216000" indent="-213840">
               <a:lnSpc>
                 <a:spcPct val="100000"/>
               </a:lnSpc>
@@ -6609,18 +6618,23 @@
               <a:buChar char=""/>
             </a:pPr>
             <a:r>
-              <a:rPr b="0" lang="ru-RU" sz="1800" spc="-1" strike="noStrike">
+              <a:rPr b="0" lang="ru-RU" sz="1800" spc="-1" strike="noStrike" u="sng">
+                <a:solidFill>
+                  <a:srgbClr val="0000ff"/>
+                </a:solidFill>
+                <a:uFillTx/>
                 <a:latin typeface="Arial"/>
+                <a:ea typeface="DejaVu Sans"/>
                 <a:hlinkClick r:id="rId1"/>
               </a:rPr>
               <a:t>https://docs.microsoft.com/en-us/aspnet/core/mvc/views/razor?view=aspnetcore-5.0</a:t>
             </a:r>
-            <a:endParaRPr b="0" lang="ru-RU" sz="1800" spc="-1" strike="noStrike">
-              <a:latin typeface="Arial"/>
-            </a:endParaRPr>
-          </a:p>
-          <a:p>
-            <a:pPr marL="216000" indent="-214200">
+            <a:endParaRPr b="0" lang="en-US" sz="1800" spc="-1" strike="noStrike">
+              <a:latin typeface="Arial"/>
+            </a:endParaRPr>
+          </a:p>
+          <a:p>
+            <a:pPr>
               <a:lnSpc>
                 <a:spcPct val="100000"/>
               </a:lnSpc>
@@ -6630,14 +6644,8 @@
               <a:spcAft>
                 <a:spcPts val="451"/>
               </a:spcAft>
-              <a:buClr>
-                <a:srgbClr val="000000"/>
-              </a:buClr>
-              <a:buSzPct val="45000"/>
-              <a:buFont typeface="Wingdings" charset="2"/>
-              <a:buChar char=""/>
             </a:pPr>
-            <a:endParaRPr b="0" lang="ru-RU" sz="1800" spc="-1" strike="noStrike">
+            <a:endParaRPr b="0" lang="en-US" sz="1800" spc="-1" strike="noStrike">
               <a:latin typeface="Arial"/>
             </a:endParaRPr>
           </a:p>
@@ -6652,7 +6660,7 @@
         <p:spPr>
           <a:xfrm>
             <a:off x="360000" y="5400000"/>
-            <a:ext cx="10796040" cy="1259640"/>
+            <a:ext cx="10795680" cy="1259280"/>
           </a:xfrm>
           <a:prstGeom prst="rect">
             <a:avLst/>
@@ -6688,7 +6696,7 @@
               </a:rPr>
               <a:t>Основы разработки корпоративных систем на платформе .NET</a:t>
             </a:r>
-            <a:endParaRPr b="0" lang="ru-RU" sz="2800" spc="-1" strike="noStrike">
+            <a:endParaRPr b="0" lang="en-US" sz="2800" spc="-1" strike="noStrike">
               <a:latin typeface="Arial"/>
             </a:endParaRPr>
           </a:p>
@@ -6733,7 +6741,7 @@
         <p:spPr>
           <a:xfrm>
             <a:off x="578160" y="34560"/>
-            <a:ext cx="10796040" cy="1259640"/>
+            <a:ext cx="10795680" cy="1259280"/>
           </a:xfrm>
           <a:prstGeom prst="rect">
             <a:avLst/>
@@ -6769,7 +6777,7 @@
               </a:rPr>
               <a:t>Blazor</a:t>
             </a:r>
-            <a:endParaRPr b="0" lang="ru-RU" sz="4400" spc="-1" strike="noStrike">
+            <a:endParaRPr b="0" lang="en-US" sz="4400" spc="-1" strike="noStrike">
               <a:latin typeface="Arial"/>
             </a:endParaRPr>
           </a:p>
@@ -6784,7 +6792,7 @@
         <p:spPr>
           <a:xfrm>
             <a:off x="1586160" y="1152000"/>
-            <a:ext cx="8853840" cy="4104000"/>
+            <a:ext cx="8853480" cy="4103640"/>
           </a:xfrm>
           <a:prstGeom prst="rect">
             <a:avLst/>
@@ -6805,7 +6813,7 @@
             <a:noAutofit/>
           </a:bodyPr>
           <a:p>
-            <a:pPr marL="216000" indent="-214200">
+            <a:pPr marL="216000" indent="-213840">
               <a:lnSpc>
                 <a:spcPct val="100000"/>
               </a:lnSpc>
@@ -6832,12 +6840,12 @@
               </a:rPr>
               <a:t>Свежая разработка — попытка попытка сделать инструмент для разработки кросс-платформенных систем с помощью C# и Razor как языка разметки</a:t>
             </a:r>
-            <a:endParaRPr b="0" lang="ru-RU" sz="1500" spc="-1" strike="noStrike">
-              <a:latin typeface="Arial"/>
-            </a:endParaRPr>
-          </a:p>
-          <a:p>
-            <a:pPr marL="216000" indent="-214200">
+            <a:endParaRPr b="0" lang="en-US" sz="1500" spc="-1" strike="noStrike">
+              <a:latin typeface="Arial"/>
+            </a:endParaRPr>
+          </a:p>
+          <a:p>
+            <a:pPr marL="216000" indent="-213840">
               <a:lnSpc>
                 <a:spcPct val="100000"/>
               </a:lnSpc>
@@ -6864,12 +6872,12 @@
               </a:rPr>
               <a:t>Запускается в браузере</a:t>
             </a:r>
-            <a:endParaRPr b="0" lang="ru-RU" sz="1500" spc="-1" strike="noStrike">
-              <a:latin typeface="Arial"/>
-            </a:endParaRPr>
-          </a:p>
-          <a:p>
-            <a:pPr marL="216000" indent="-214200">
+            <a:endParaRPr b="0" lang="en-US" sz="1500" spc="-1" strike="noStrike">
+              <a:latin typeface="Arial"/>
+            </a:endParaRPr>
+          </a:p>
+          <a:p>
+            <a:pPr marL="216000" indent="-213840">
               <a:lnSpc>
                 <a:spcPct val="100000"/>
               </a:lnSpc>
@@ -6896,12 +6904,12 @@
               </a:rPr>
               <a:t>Основная идея — перенести часть тяжелой логики с сервера на клиент (например, какую-то математику, специфичную для конкретного клиента)</a:t>
             </a:r>
-            <a:endParaRPr b="0" lang="ru-RU" sz="1500" spc="-1" strike="noStrike">
-              <a:latin typeface="Arial"/>
-            </a:endParaRPr>
-          </a:p>
-          <a:p>
-            <a:pPr marL="216000" indent="-214200">
+            <a:endParaRPr b="0" lang="en-US" sz="1500" spc="-1" strike="noStrike">
+              <a:latin typeface="Arial"/>
+            </a:endParaRPr>
+          </a:p>
+          <a:p>
+            <a:pPr marL="216000" indent="-213840">
               <a:lnSpc>
                 <a:spcPct val="100000"/>
               </a:lnSpc>
@@ -6919,17 +6927,18 @@
               <a:buChar char=""/>
             </a:pPr>
             <a:r>
-              <a:rPr b="0" lang="ru-RU" sz="1500" spc="-1" strike="noStrike">
+              <a:rPr b="0" lang="ru-RU" sz="1500" spc="-1" strike="noStrike" u="sng">
                 <a:solidFill>
-                  <a:srgbClr val="000000"/>
+                  <a:srgbClr val="0000ff"/>
                 </a:solidFill>
+                <a:uFillTx/>
                 <a:latin typeface="Open Sans"/>
                 <a:ea typeface="DejaVu Sans"/>
                 <a:hlinkClick r:id="rId1"/>
               </a:rPr>
               <a:t>https://docs.microsoft.com/en-us/aspnet/core/blazor/?view=aspnetcore-5.0</a:t>
             </a:r>
-            <a:endParaRPr b="0" lang="ru-RU" sz="1500" spc="-1" strike="noStrike">
+            <a:endParaRPr b="0" lang="en-US" sz="1500" spc="-1" strike="noStrike">
               <a:latin typeface="Arial"/>
             </a:endParaRPr>
           </a:p>
@@ -6944,7 +6953,7 @@
         <p:spPr>
           <a:xfrm>
             <a:off x="360000" y="5400000"/>
-            <a:ext cx="10796040" cy="1259640"/>
+            <a:ext cx="10795680" cy="1259280"/>
           </a:xfrm>
           <a:prstGeom prst="rect">
             <a:avLst/>
@@ -6980,7 +6989,7 @@
               </a:rPr>
               <a:t>Основы разработки корпоративных систем на платформе .NET</a:t>
             </a:r>
-            <a:endParaRPr b="0" lang="ru-RU" sz="2800" spc="-1" strike="noStrike">
+            <a:endParaRPr b="0" lang="en-US" sz="2800" spc="-1" strike="noStrike">
               <a:latin typeface="Arial"/>
             </a:endParaRPr>
           </a:p>
@@ -7025,7 +7034,7 @@
         <p:spPr>
           <a:xfrm>
             <a:off x="578160" y="34560"/>
-            <a:ext cx="10796040" cy="1259640"/>
+            <a:ext cx="10795680" cy="1259280"/>
           </a:xfrm>
           <a:prstGeom prst="rect">
             <a:avLst/>
@@ -7061,7 +7070,7 @@
               </a:rPr>
               <a:t>SignalR</a:t>
             </a:r>
-            <a:endParaRPr b="0" lang="ru-RU" sz="4400" spc="-1" strike="noStrike">
+            <a:endParaRPr b="0" lang="en-US" sz="4400" spc="-1" strike="noStrike">
               <a:latin typeface="Arial"/>
             </a:endParaRPr>
           </a:p>
@@ -7076,7 +7085,7 @@
         <p:spPr>
           <a:xfrm>
             <a:off x="1586160" y="1152000"/>
-            <a:ext cx="9429840" cy="3456000"/>
+            <a:ext cx="9429480" cy="3455640"/>
           </a:xfrm>
           <a:prstGeom prst="rect">
             <a:avLst/>
@@ -7097,7 +7106,7 @@
             <a:noAutofit/>
           </a:bodyPr>
           <a:p>
-            <a:pPr marL="216000" indent="-214200">
+            <a:pPr marL="216000" indent="-213840">
               <a:lnSpc>
                 <a:spcPct val="100000"/>
               </a:lnSpc>
@@ -7124,12 +7133,12 @@
               </a:rPr>
               <a:t>Технология для обратной связи от сервера к клиенту</a:t>
             </a:r>
-            <a:endParaRPr b="0" lang="ru-RU" sz="1500" spc="-1" strike="noStrike">
-              <a:latin typeface="Arial"/>
-            </a:endParaRPr>
-          </a:p>
-          <a:p>
-            <a:pPr marL="216000" indent="-214200">
+            <a:endParaRPr b="0" lang="en-US" sz="1500" spc="-1" strike="noStrike">
+              <a:latin typeface="Arial"/>
+            </a:endParaRPr>
+          </a:p>
+          <a:p>
+            <a:pPr marL="216000" indent="-213840">
               <a:lnSpc>
                 <a:spcPct val="100000"/>
               </a:lnSpc>
@@ -7156,12 +7165,12 @@
               </a:rPr>
               <a:t>Использует технологии доступные в текущем браузере (от WebSockets до long polling)</a:t>
             </a:r>
-            <a:endParaRPr b="0" lang="ru-RU" sz="1500" spc="-1" strike="noStrike">
-              <a:latin typeface="Arial"/>
-            </a:endParaRPr>
-          </a:p>
-          <a:p>
-            <a:pPr marL="216000" indent="-214200">
+            <a:endParaRPr b="0" lang="en-US" sz="1500" spc="-1" strike="noStrike">
+              <a:latin typeface="Arial"/>
+            </a:endParaRPr>
+          </a:p>
+          <a:p>
+            <a:pPr marL="216000" indent="-213840">
               <a:lnSpc>
                 <a:spcPct val="100000"/>
               </a:lnSpc>
@@ -7188,12 +7197,12 @@
               </a:rPr>
               <a:t>Имеет javascript и C# библиотеки для явного использования на каждой из сторон</a:t>
             </a:r>
-            <a:endParaRPr b="0" lang="ru-RU" sz="1500" spc="-1" strike="noStrike">
-              <a:latin typeface="Arial"/>
-            </a:endParaRPr>
-          </a:p>
-          <a:p>
-            <a:pPr marL="216000" indent="-214200">
+            <a:endParaRPr b="0" lang="en-US" sz="1500" spc="-1" strike="noStrike">
+              <a:latin typeface="Arial"/>
+            </a:endParaRPr>
+          </a:p>
+          <a:p>
+            <a:pPr marL="216000" indent="-213840">
               <a:lnSpc>
                 <a:spcPct val="100000"/>
               </a:lnSpc>
@@ -7221,22 +7230,23 @@
               <a:t>Позволяет интегрироваться с событиями отправляемыми MS SQL (Service Broker): </a:t>
             </a:r>
             <a:r>
-              <a:rPr b="0" lang="ru-RU" sz="1500" spc="-1" strike="noStrike">
+              <a:rPr b="0" lang="ru-RU" sz="1500" spc="-1" strike="noStrike" u="sng">
                 <a:solidFill>
-                  <a:srgbClr val="000000"/>
+                  <a:srgbClr val="0000ff"/>
                 </a:solidFill>
+                <a:uFillTx/>
                 <a:latin typeface="Open Sans"/>
                 <a:ea typeface="DejaVu Sans"/>
                 <a:hlinkClick r:id="rId1"/>
               </a:rPr>
               <a:t>https://docs.microsoft.com/ru-ru/sql/database-engine/configure-windows/sql-server-service-broker?view=sql-server-ver15</a:t>
             </a:r>
-            <a:endParaRPr b="0" lang="ru-RU" sz="1500" spc="-1" strike="noStrike">
-              <a:latin typeface="Arial"/>
-            </a:endParaRPr>
-          </a:p>
-          <a:p>
-            <a:pPr marL="216000" indent="-214200">
+            <a:endParaRPr b="0" lang="en-US" sz="1500" spc="-1" strike="noStrike">
+              <a:latin typeface="Arial"/>
+            </a:endParaRPr>
+          </a:p>
+          <a:p>
+            <a:pPr marL="216000" indent="-213840">
               <a:lnSpc>
                 <a:spcPct val="100000"/>
               </a:lnSpc>
@@ -7264,10 +7274,11 @@
               <a:t>Имеет ограничения: </a:t>
             </a:r>
             <a:r>
-              <a:rPr b="0" lang="ru-RU" sz="1500" spc="-1" strike="noStrike">
+              <a:rPr b="0" lang="ru-RU" sz="1500" spc="-1" strike="noStrike" u="sng">
                 <a:solidFill>
-                  <a:srgbClr val="000000"/>
+                  <a:srgbClr val="0000ff"/>
                 </a:solidFill>
+                <a:uFillTx/>
                 <a:latin typeface="Open Sans"/>
                 <a:ea typeface="DejaVu Sans"/>
                 <a:hlinkClick r:id="rId2"/>
@@ -7284,12 +7295,12 @@
               </a:rPr>
               <a:t> </a:t>
             </a:r>
-            <a:endParaRPr b="0" lang="ru-RU" sz="1500" spc="-1" strike="noStrike">
-              <a:latin typeface="Arial"/>
-            </a:endParaRPr>
-          </a:p>
-          <a:p>
-            <a:pPr marL="216000" indent="-214200">
+            <a:endParaRPr b="0" lang="en-US" sz="1500" spc="-1" strike="noStrike">
+              <a:latin typeface="Arial"/>
+            </a:endParaRPr>
+          </a:p>
+          <a:p>
+            <a:pPr marL="216000" indent="-213840">
               <a:lnSpc>
                 <a:spcPct val="100000"/>
               </a:lnSpc>
@@ -7316,12 +7327,12 @@
               </a:rPr>
               <a:t>Раньше имел проблемы с большим количеством вкладок открытых в одном браузере</a:t>
             </a:r>
-            <a:endParaRPr b="0" lang="ru-RU" sz="1500" spc="-1" strike="noStrike">
-              <a:latin typeface="Arial"/>
-            </a:endParaRPr>
-          </a:p>
-          <a:p>
-            <a:pPr marL="216000" indent="-214200">
+            <a:endParaRPr b="0" lang="en-US" sz="1500" spc="-1" strike="noStrike">
+              <a:latin typeface="Arial"/>
+            </a:endParaRPr>
+          </a:p>
+          <a:p>
+            <a:pPr marL="216000" indent="-213840">
               <a:lnSpc>
                 <a:spcPct val="100000"/>
               </a:lnSpc>
@@ -7339,22 +7350,23 @@
               <a:buChar char=""/>
             </a:pPr>
             <a:r>
-              <a:rPr b="0" lang="ru-RU" sz="1500" spc="-1" strike="noStrike">
+              <a:rPr b="0" lang="ru-RU" sz="1500" spc="-1" strike="noStrike" u="sng">
                 <a:solidFill>
-                  <a:srgbClr val="000000"/>
+                  <a:srgbClr val="0000ff"/>
                 </a:solidFill>
+                <a:uFillTx/>
                 <a:latin typeface="Open Sans"/>
                 <a:ea typeface="DejaVu Sans"/>
                 <a:hlinkClick r:id="rId3"/>
               </a:rPr>
               <a:t>https://docs.microsoft.com/en-us/aspnet/core/signalr/introduction?view=aspnetcore-5.0</a:t>
             </a:r>
-            <a:endParaRPr b="0" lang="ru-RU" sz="1500" spc="-1" strike="noStrike">
-              <a:latin typeface="Arial"/>
-            </a:endParaRPr>
-          </a:p>
-          <a:p>
-            <a:pPr marL="216000" indent="-214200">
+            <a:endParaRPr b="0" lang="en-US" sz="1500" spc="-1" strike="noStrike">
+              <a:latin typeface="Arial"/>
+            </a:endParaRPr>
+          </a:p>
+          <a:p>
+            <a:pPr marL="216000" indent="-213840">
               <a:lnSpc>
                 <a:spcPct val="100000"/>
               </a:lnSpc>
@@ -7381,7 +7393,7 @@
               </a:rPr>
               <a:t>Хотите отдельное демо по SignalR (чат с записью данных в БД, например)?</a:t>
             </a:r>
-            <a:endParaRPr b="0" lang="ru-RU" sz="1500" spc="-1" strike="noStrike">
+            <a:endParaRPr b="0" lang="en-US" sz="1500" spc="-1" strike="noStrike">
               <a:latin typeface="Arial"/>
             </a:endParaRPr>
           </a:p>
@@ -7396,7 +7408,7 @@
         <p:spPr>
           <a:xfrm>
             <a:off x="360000" y="5400000"/>
-            <a:ext cx="10796040" cy="1259640"/>
+            <a:ext cx="10795680" cy="1259280"/>
           </a:xfrm>
           <a:prstGeom prst="rect">
             <a:avLst/>
@@ -7432,7 +7444,7 @@
               </a:rPr>
               <a:t>Основы разработки корпоративных систем на платформе .NET</a:t>
             </a:r>
-            <a:endParaRPr b="0" lang="ru-RU" sz="2800" spc="-1" strike="noStrike">
+            <a:endParaRPr b="0" lang="en-US" sz="2800" spc="-1" strike="noStrike">
               <a:latin typeface="Arial"/>
             </a:endParaRPr>
           </a:p>
@@ -7477,7 +7489,7 @@
         <p:spPr>
           <a:xfrm>
             <a:off x="599040" y="121320"/>
-            <a:ext cx="10795680" cy="1259280"/>
+            <a:ext cx="10795320" cy="1258920"/>
           </a:xfrm>
           <a:prstGeom prst="rect">
             <a:avLst/>
@@ -7495,7 +7507,7 @@
         </p:style>
         <p:txBody>
           <a:bodyPr lIns="0" rIns="0" tIns="0" bIns="0" anchor="b">
-            <a:normAutofit/>
+            <a:normAutofit fontScale="57000"/>
           </a:bodyPr>
           <a:p>
             <a:pPr>
@@ -7513,7 +7525,7 @@
               </a:rPr>
               <a:t>Razor — лабораторная работа #3</a:t>
             </a:r>
-            <a:endParaRPr b="0" lang="ru-RU" sz="6000" spc="-1" strike="noStrike">
+            <a:endParaRPr b="0" lang="en-US" sz="6000" spc="-1" strike="noStrike">
               <a:latin typeface="Arial"/>
             </a:endParaRPr>
           </a:p>
@@ -7528,7 +7540,7 @@
         <p:spPr>
           <a:xfrm>
             <a:off x="599040" y="1920240"/>
-            <a:ext cx="10736640" cy="4660560"/>
+            <a:ext cx="10736280" cy="4660200"/>
           </a:xfrm>
           <a:prstGeom prst="rect">
             <a:avLst/>
@@ -7549,7 +7561,7 @@
             <a:normAutofit/>
           </a:bodyPr>
           <a:p>
-            <a:pPr marL="432000" indent="-321120">
+            <a:pPr marL="432000" indent="-320760">
               <a:lnSpc>
                 <a:spcPct val="100000"/>
               </a:lnSpc>
@@ -7571,14 +7583,14 @@
                 <a:latin typeface="Source Sans Pro"/>
                 <a:ea typeface="DejaVu Sans"/>
               </a:rPr>
-              <a:t>Добавить Docker-контейнер с WebUI (реализованным на ASP.NET MVC &amp; Razor) к вашей сборке с получением данных из SQL</a:t>
+              <a:t>Добавить Docker-контейнер с WebUI (реализованным на ASP.NET MVC &amp; Razor) к вашей сборке с получением данных из сервиса реализованного для задачи с SQL</a:t>
             </a:r>
-            <a:endParaRPr b="0" lang="ru-RU" sz="3200" spc="-1" strike="noStrike">
-              <a:latin typeface="Arial"/>
-            </a:endParaRPr>
-          </a:p>
-          <a:p>
-            <a:pPr marL="432000" indent="-321120">
+            <a:endParaRPr b="0" lang="en-US" sz="3200" spc="-1" strike="noStrike">
+              <a:latin typeface="Arial"/>
+            </a:endParaRPr>
+          </a:p>
+          <a:p>
+            <a:pPr marL="432000" indent="-320760">
               <a:lnSpc>
                 <a:spcPct val="100000"/>
               </a:lnSpc>
@@ -7602,7 +7614,7 @@
               </a:rPr>
               <a:t>О результатах пишите, пожалуйста, на kapeshekhonov@etu.ru</a:t>
             </a:r>
-            <a:endParaRPr b="0" lang="ru-RU" sz="3200" spc="-1" strike="noStrike">
+            <a:endParaRPr b="0" lang="en-US" sz="3200" spc="-1" strike="noStrike">
               <a:latin typeface="Arial"/>
             </a:endParaRPr>
           </a:p>
